--- a/final_projects.pptx
+++ b/final_projects.pptx
@@ -4,8 +4,15 @@
   <p:sldMasterIdLst>
     <p:sldMasterId id="2147483648" r:id="rId1"/>
   </p:sldMasterIdLst>
+  <p:notesMasterIdLst>
+    <p:notesMasterId r:id="rId7"/>
+  </p:notesMasterIdLst>
   <p:sldIdLst>
     <p:sldId id="256" r:id="rId2"/>
+    <p:sldId id="257" r:id="rId3"/>
+    <p:sldId id="258" r:id="rId4"/>
+    <p:sldId id="259" r:id="rId5"/>
+    <p:sldId id="260" r:id="rId6"/>
   </p:sldIdLst>
   <p:sldSz cx="12192000" cy="6858000"/>
   <p:notesSz cx="6858000" cy="9144000"/>
@@ -104,7 +111,894 @@
       </a:defRPr>
     </a:lvl9pPr>
   </p:defaultTextStyle>
+  <p:extLst>
+    <p:ext uri="{EFAFB233-063F-42B5-8137-9DF3F51BA10A}">
+      <p15:sldGuideLst xmlns:p15="http://schemas.microsoft.com/office/powerpoint/2012/main"/>
+    </p:ext>
+  </p:extLst>
 </p:presentation>
+</file>
+
+<file path=ppt/revisionInfo.xml><?xml version="1.0" encoding="utf-8"?>
+<p1510:revInfo xmlns:a="http://schemas.openxmlformats.org/drawingml/2006/main" xmlns:r="http://schemas.openxmlformats.org/officeDocument/2006/relationships" xmlns:p1510="http://schemas.microsoft.com/office/powerpoint/2015/10/main">
+  <p1510:revLst>
+    <p1510:client id="{CEA83391-A697-4E7F-BE21-1D1209A3FE8E}" v="47" dt="2020-12-14T08:16:38.992"/>
+  </p1510:revLst>
+</p1510:revInfo>
+</file>
+
+<file path=ppt/changesInfos/changesInfo1.xml><?xml version="1.0" encoding="utf-8"?>
+<pc:chgInfo xmlns:a="http://schemas.openxmlformats.org/drawingml/2006/main" xmlns:r="http://schemas.openxmlformats.org/officeDocument/2006/relationships" xmlns:ac="http://schemas.microsoft.com/office/drawing/2013/main/command" xmlns:pc="http://schemas.microsoft.com/office/powerpoint/2013/main/command">
+  <pc:docChgLst>
+    <pc:chgData name="Diman Todorov" userId="86af17173021cc57" providerId="LiveId" clId="{CEA83391-A697-4E7F-BE21-1D1209A3FE8E}"/>
+    <pc:docChg chg="undo custSel addSld modSld">
+      <pc:chgData name="Diman Todorov" userId="86af17173021cc57" providerId="LiveId" clId="{CEA83391-A697-4E7F-BE21-1D1209A3FE8E}" dt="2020-12-14T08:18:32.853" v="1145" actId="20577"/>
+      <pc:docMkLst>
+        <pc:docMk/>
+      </pc:docMkLst>
+      <pc:sldChg chg="modSp mod">
+        <pc:chgData name="Diman Todorov" userId="86af17173021cc57" providerId="LiveId" clId="{CEA83391-A697-4E7F-BE21-1D1209A3FE8E}" dt="2020-12-14T07:41:47.814" v="14" actId="20577"/>
+        <pc:sldMkLst>
+          <pc:docMk/>
+          <pc:sldMk cId="1012393577" sldId="256"/>
+        </pc:sldMkLst>
+        <pc:spChg chg="mod">
+          <ac:chgData name="Diman Todorov" userId="86af17173021cc57" providerId="LiveId" clId="{CEA83391-A697-4E7F-BE21-1D1209A3FE8E}" dt="2020-12-14T07:41:47.814" v="14" actId="20577"/>
+          <ac:spMkLst>
+            <pc:docMk/>
+            <pc:sldMk cId="1012393577" sldId="256"/>
+            <ac:spMk id="2" creationId="{8BFC9536-38B8-44B7-A521-7918FAF472FD}"/>
+          </ac:spMkLst>
+        </pc:spChg>
+        <pc:spChg chg="mod">
+          <ac:chgData name="Diman Todorov" userId="86af17173021cc57" providerId="LiveId" clId="{CEA83391-A697-4E7F-BE21-1D1209A3FE8E}" dt="2020-12-14T07:41:39.093" v="13" actId="20577"/>
+          <ac:spMkLst>
+            <pc:docMk/>
+            <pc:sldMk cId="1012393577" sldId="256"/>
+            <ac:spMk id="3" creationId="{E17AF67B-D0D5-4960-BAC8-34271EEAF83A}"/>
+          </ac:spMkLst>
+        </pc:spChg>
+      </pc:sldChg>
+      <pc:sldChg chg="addSp delSp modSp new mod">
+        <pc:chgData name="Diman Todorov" userId="86af17173021cc57" providerId="LiveId" clId="{CEA83391-A697-4E7F-BE21-1D1209A3FE8E}" dt="2020-12-14T07:46:08.876" v="65" actId="20577"/>
+        <pc:sldMkLst>
+          <pc:docMk/>
+          <pc:sldMk cId="2329638353" sldId="257"/>
+        </pc:sldMkLst>
+        <pc:spChg chg="mod">
+          <ac:chgData name="Diman Todorov" userId="86af17173021cc57" providerId="LiveId" clId="{CEA83391-A697-4E7F-BE21-1D1209A3FE8E}" dt="2020-12-14T07:42:08.476" v="20" actId="20577"/>
+          <ac:spMkLst>
+            <pc:docMk/>
+            <pc:sldMk cId="2329638353" sldId="257"/>
+            <ac:spMk id="2" creationId="{3D6A943B-B3AC-40F8-ACF7-C0E65A4176F8}"/>
+          </ac:spMkLst>
+        </pc:spChg>
+        <pc:spChg chg="del">
+          <ac:chgData name="Diman Todorov" userId="86af17173021cc57" providerId="LiveId" clId="{CEA83391-A697-4E7F-BE21-1D1209A3FE8E}" dt="2020-12-14T07:42:22.035" v="21"/>
+          <ac:spMkLst>
+            <pc:docMk/>
+            <pc:sldMk cId="2329638353" sldId="257"/>
+            <ac:spMk id="3" creationId="{6E2E5BE0-36B6-4AA2-99E6-D065E164FC06}"/>
+          </ac:spMkLst>
+        </pc:spChg>
+        <pc:spChg chg="add del">
+          <ac:chgData name="Diman Todorov" userId="86af17173021cc57" providerId="LiveId" clId="{CEA83391-A697-4E7F-BE21-1D1209A3FE8E}" dt="2020-12-14T07:43:12.659" v="33" actId="22"/>
+          <ac:spMkLst>
+            <pc:docMk/>
+            <pc:sldMk cId="2329638353" sldId="257"/>
+            <ac:spMk id="7" creationId="{1CC71127-B8AA-4CA8-A145-340C2BCD9027}"/>
+          </ac:spMkLst>
+        </pc:spChg>
+        <pc:spChg chg="add mod">
+          <ac:chgData name="Diman Todorov" userId="86af17173021cc57" providerId="LiveId" clId="{CEA83391-A697-4E7F-BE21-1D1209A3FE8E}" dt="2020-12-14T07:43:38.234" v="39" actId="1076"/>
+          <ac:spMkLst>
+            <pc:docMk/>
+            <pc:sldMk cId="2329638353" sldId="257"/>
+            <ac:spMk id="8" creationId="{28E8B00C-3B9F-4653-9F6F-85223EDDECE1}"/>
+          </ac:spMkLst>
+        </pc:spChg>
+        <pc:spChg chg="add mod">
+          <ac:chgData name="Diman Todorov" userId="86af17173021cc57" providerId="LiveId" clId="{CEA83391-A697-4E7F-BE21-1D1209A3FE8E}" dt="2020-12-14T07:44:17.950" v="44" actId="208"/>
+          <ac:spMkLst>
+            <pc:docMk/>
+            <pc:sldMk cId="2329638353" sldId="257"/>
+            <ac:spMk id="9" creationId="{F0A94C42-5A4B-48AB-AC98-010B808C91DA}"/>
+          </ac:spMkLst>
+        </pc:spChg>
+        <pc:spChg chg="add mod">
+          <ac:chgData name="Diman Todorov" userId="86af17173021cc57" providerId="LiveId" clId="{CEA83391-A697-4E7F-BE21-1D1209A3FE8E}" dt="2020-12-14T07:46:08.876" v="65" actId="20577"/>
+          <ac:spMkLst>
+            <pc:docMk/>
+            <pc:sldMk cId="2329638353" sldId="257"/>
+            <ac:spMk id="10" creationId="{71B78ED6-5DF9-4BE9-A710-7C3CAF2FA21A}"/>
+          </ac:spMkLst>
+        </pc:spChg>
+        <pc:picChg chg="add mod">
+          <ac:chgData name="Diman Todorov" userId="86af17173021cc57" providerId="LiveId" clId="{CEA83391-A697-4E7F-BE21-1D1209A3FE8E}" dt="2020-12-14T07:43:42.254" v="40" actId="1076"/>
+          <ac:picMkLst>
+            <pc:docMk/>
+            <pc:sldMk cId="2329638353" sldId="257"/>
+            <ac:picMk id="5" creationId="{1C6C9B9A-ABEA-4BC5-B4D6-1DDC84EED905}"/>
+          </ac:picMkLst>
+        </pc:picChg>
+      </pc:sldChg>
+      <pc:sldChg chg="addSp delSp modSp new mod">
+        <pc:chgData name="Diman Todorov" userId="86af17173021cc57" providerId="LiveId" clId="{CEA83391-A697-4E7F-BE21-1D1209A3FE8E}" dt="2020-12-14T08:03:01.933" v="383" actId="208"/>
+        <pc:sldMkLst>
+          <pc:docMk/>
+          <pc:sldMk cId="1269494251" sldId="258"/>
+        </pc:sldMkLst>
+        <pc:spChg chg="mod">
+          <ac:chgData name="Diman Todorov" userId="86af17173021cc57" providerId="LiveId" clId="{CEA83391-A697-4E7F-BE21-1D1209A3FE8E}" dt="2020-12-14T07:53:13.460" v="214" actId="20577"/>
+          <ac:spMkLst>
+            <pc:docMk/>
+            <pc:sldMk cId="1269494251" sldId="258"/>
+            <ac:spMk id="2" creationId="{E55E7CC8-2721-4DDC-989F-EFF44E21FA00}"/>
+          </ac:spMkLst>
+        </pc:spChg>
+        <pc:spChg chg="del">
+          <ac:chgData name="Diman Todorov" userId="86af17173021cc57" providerId="LiveId" clId="{CEA83391-A697-4E7F-BE21-1D1209A3FE8E}" dt="2020-12-14T07:46:50.844" v="73" actId="478"/>
+          <ac:spMkLst>
+            <pc:docMk/>
+            <pc:sldMk cId="1269494251" sldId="258"/>
+            <ac:spMk id="3" creationId="{85EF7FAD-024C-49BE-AFF4-AB8621FF5367}"/>
+          </ac:spMkLst>
+        </pc:spChg>
+        <pc:spChg chg="add mod">
+          <ac:chgData name="Diman Todorov" userId="86af17173021cc57" providerId="LiveId" clId="{CEA83391-A697-4E7F-BE21-1D1209A3FE8E}" dt="2020-12-14T07:58:34.958" v="280" actId="1076"/>
+          <ac:spMkLst>
+            <pc:docMk/>
+            <pc:sldMk cId="1269494251" sldId="258"/>
+            <ac:spMk id="4" creationId="{CC55EAB1-2B24-4116-8809-02C259F34DF9}"/>
+          </ac:spMkLst>
+        </pc:spChg>
+        <pc:spChg chg="add mod">
+          <ac:chgData name="Diman Todorov" userId="86af17173021cc57" providerId="LiveId" clId="{CEA83391-A697-4E7F-BE21-1D1209A3FE8E}" dt="2020-12-14T08:01:16.593" v="339" actId="1076"/>
+          <ac:spMkLst>
+            <pc:docMk/>
+            <pc:sldMk cId="1269494251" sldId="258"/>
+            <ac:spMk id="28" creationId="{3DD1E2EF-4668-4C56-8D55-B68354F7B115}"/>
+          </ac:spMkLst>
+        </pc:spChg>
+        <pc:spChg chg="add mod">
+          <ac:chgData name="Diman Todorov" userId="86af17173021cc57" providerId="LiveId" clId="{CEA83391-A697-4E7F-BE21-1D1209A3FE8E}" dt="2020-12-14T08:01:20.145" v="340" actId="1076"/>
+          <ac:spMkLst>
+            <pc:docMk/>
+            <pc:sldMk cId="1269494251" sldId="258"/>
+            <ac:spMk id="29" creationId="{D21471B6-C34F-423B-9308-2426B039BA9E}"/>
+          </ac:spMkLst>
+        </pc:spChg>
+        <pc:spChg chg="add mod">
+          <ac:chgData name="Diman Todorov" userId="86af17173021cc57" providerId="LiveId" clId="{CEA83391-A697-4E7F-BE21-1D1209A3FE8E}" dt="2020-12-14T08:01:28.514" v="342" actId="1076"/>
+          <ac:spMkLst>
+            <pc:docMk/>
+            <pc:sldMk cId="1269494251" sldId="258"/>
+            <ac:spMk id="32" creationId="{37C9FC0A-C129-49B8-9E2E-FCDF182E781E}"/>
+          </ac:spMkLst>
+        </pc:spChg>
+        <pc:spChg chg="add mod">
+          <ac:chgData name="Diman Todorov" userId="86af17173021cc57" providerId="LiveId" clId="{CEA83391-A697-4E7F-BE21-1D1209A3FE8E}" dt="2020-12-14T08:01:23.192" v="341" actId="1076"/>
+          <ac:spMkLst>
+            <pc:docMk/>
+            <pc:sldMk cId="1269494251" sldId="258"/>
+            <ac:spMk id="34" creationId="{3E5467AB-FD9D-4113-98E4-11136B39E20F}"/>
+          </ac:spMkLst>
+        </pc:spChg>
+        <pc:spChg chg="add mod">
+          <ac:chgData name="Diman Todorov" userId="86af17173021cc57" providerId="LiveId" clId="{CEA83391-A697-4E7F-BE21-1D1209A3FE8E}" dt="2020-12-14T07:58:55.305" v="312" actId="1076"/>
+          <ac:spMkLst>
+            <pc:docMk/>
+            <pc:sldMk cId="1269494251" sldId="258"/>
+            <ac:spMk id="36" creationId="{2B2EC84C-5459-4C99-8697-A34384FD37A1}"/>
+          </ac:spMkLst>
+        </pc:spChg>
+        <pc:spChg chg="add mod">
+          <ac:chgData name="Diman Todorov" userId="86af17173021cc57" providerId="LiveId" clId="{CEA83391-A697-4E7F-BE21-1D1209A3FE8E}" dt="2020-12-14T08:03:01.933" v="383" actId="208"/>
+          <ac:spMkLst>
+            <pc:docMk/>
+            <pc:sldMk cId="1269494251" sldId="258"/>
+            <ac:spMk id="60" creationId="{7B9F6488-30FC-474C-A3E6-3822A3898D73}"/>
+          </ac:spMkLst>
+        </pc:spChg>
+        <pc:spChg chg="add mod">
+          <ac:chgData name="Diman Todorov" userId="86af17173021cc57" providerId="LiveId" clId="{CEA83391-A697-4E7F-BE21-1D1209A3FE8E}" dt="2020-12-14T08:02:24.826" v="359" actId="122"/>
+          <ac:spMkLst>
+            <pc:docMk/>
+            <pc:sldMk cId="1269494251" sldId="258"/>
+            <ac:spMk id="63" creationId="{EB500574-2626-40C0-9A62-7F578B000C67}"/>
+          </ac:spMkLst>
+        </pc:spChg>
+        <pc:spChg chg="add mod">
+          <ac:chgData name="Diman Todorov" userId="86af17173021cc57" providerId="LiveId" clId="{CEA83391-A697-4E7F-BE21-1D1209A3FE8E}" dt="2020-12-14T08:02:40.096" v="379" actId="20577"/>
+          <ac:spMkLst>
+            <pc:docMk/>
+            <pc:sldMk cId="1269494251" sldId="258"/>
+            <ac:spMk id="64" creationId="{24F48A93-C2BA-4186-8CC1-4D321512EEF3}"/>
+          </ac:spMkLst>
+        </pc:spChg>
+        <pc:picChg chg="add del mod">
+          <ac:chgData name="Diman Todorov" userId="86af17173021cc57" providerId="LiveId" clId="{CEA83391-A697-4E7F-BE21-1D1209A3FE8E}" dt="2020-12-14T08:01:14.210" v="338" actId="478"/>
+          <ac:picMkLst>
+            <pc:docMk/>
+            <pc:sldMk cId="1269494251" sldId="258"/>
+            <ac:picMk id="33" creationId="{509D9178-81DA-41E6-83D3-9D112DDA17F0}"/>
+          </ac:picMkLst>
+        </pc:picChg>
+        <pc:picChg chg="add del mod">
+          <ac:chgData name="Diman Todorov" userId="86af17173021cc57" providerId="LiveId" clId="{CEA83391-A697-4E7F-BE21-1D1209A3FE8E}" dt="2020-12-14T08:01:13.001" v="337" actId="478"/>
+          <ac:picMkLst>
+            <pc:docMk/>
+            <pc:sldMk cId="1269494251" sldId="258"/>
+            <ac:picMk id="37" creationId="{999C02D0-6C2B-4CCF-A521-C715CB352129}"/>
+          </ac:picMkLst>
+        </pc:picChg>
+        <pc:picChg chg="add del mod">
+          <ac:chgData name="Diman Todorov" userId="86af17173021cc57" providerId="LiveId" clId="{CEA83391-A697-4E7F-BE21-1D1209A3FE8E}" dt="2020-12-14T08:01:11.757" v="336" actId="478"/>
+          <ac:picMkLst>
+            <pc:docMk/>
+            <pc:sldMk cId="1269494251" sldId="258"/>
+            <ac:picMk id="39" creationId="{5E4A1765-23C6-4EAF-BCA0-951F42E8FEC4}"/>
+          </ac:picMkLst>
+        </pc:picChg>
+        <pc:picChg chg="add del mod">
+          <ac:chgData name="Diman Todorov" userId="86af17173021cc57" providerId="LiveId" clId="{CEA83391-A697-4E7F-BE21-1D1209A3FE8E}" dt="2020-12-14T08:01:10.450" v="335" actId="478"/>
+          <ac:picMkLst>
+            <pc:docMk/>
+            <pc:sldMk cId="1269494251" sldId="258"/>
+            <ac:picMk id="41" creationId="{1D637960-80CC-4D78-A5A4-A4E33313C969}"/>
+          </ac:picMkLst>
+        </pc:picChg>
+        <pc:picChg chg="add del mod">
+          <ac:chgData name="Diman Todorov" userId="86af17173021cc57" providerId="LiveId" clId="{CEA83391-A697-4E7F-BE21-1D1209A3FE8E}" dt="2020-12-14T08:01:09.164" v="334" actId="478"/>
+          <ac:picMkLst>
+            <pc:docMk/>
+            <pc:sldMk cId="1269494251" sldId="258"/>
+            <ac:picMk id="43" creationId="{C4D5D7EA-5024-4128-AF69-361C94684180}"/>
+          </ac:picMkLst>
+        </pc:picChg>
+        <pc:picChg chg="add del mod">
+          <ac:chgData name="Diman Todorov" userId="86af17173021cc57" providerId="LiveId" clId="{CEA83391-A697-4E7F-BE21-1D1209A3FE8E}" dt="2020-12-14T08:01:07.583" v="333" actId="478"/>
+          <ac:picMkLst>
+            <pc:docMk/>
+            <pc:sldMk cId="1269494251" sldId="258"/>
+            <ac:picMk id="45" creationId="{A0B7927E-B141-4752-A6FF-343220064069}"/>
+          </ac:picMkLst>
+        </pc:picChg>
+        <pc:picChg chg="add del mod">
+          <ac:chgData name="Diman Todorov" userId="86af17173021cc57" providerId="LiveId" clId="{CEA83391-A697-4E7F-BE21-1D1209A3FE8E}" dt="2020-12-14T08:01:06.252" v="332" actId="478"/>
+          <ac:picMkLst>
+            <pc:docMk/>
+            <pc:sldMk cId="1269494251" sldId="258"/>
+            <ac:picMk id="47" creationId="{5B2433C8-655D-49F9-9A9B-64B1F82AE641}"/>
+          </ac:picMkLst>
+        </pc:picChg>
+        <pc:picChg chg="add del mod">
+          <ac:chgData name="Diman Todorov" userId="86af17173021cc57" providerId="LiveId" clId="{CEA83391-A697-4E7F-BE21-1D1209A3FE8E}" dt="2020-12-14T08:01:04.968" v="331" actId="478"/>
+          <ac:picMkLst>
+            <pc:docMk/>
+            <pc:sldMk cId="1269494251" sldId="258"/>
+            <ac:picMk id="49" creationId="{1D4600C1-0E45-4052-B293-1FB1C34BA39F}"/>
+          </ac:picMkLst>
+        </pc:picChg>
+        <pc:picChg chg="add del mod">
+          <ac:chgData name="Diman Todorov" userId="86af17173021cc57" providerId="LiveId" clId="{CEA83391-A697-4E7F-BE21-1D1209A3FE8E}" dt="2020-12-14T08:01:03.781" v="330" actId="478"/>
+          <ac:picMkLst>
+            <pc:docMk/>
+            <pc:sldMk cId="1269494251" sldId="258"/>
+            <ac:picMk id="51" creationId="{9568A4E6-B9F7-4D56-8689-6A89AF684A65}"/>
+          </ac:picMkLst>
+        </pc:picChg>
+        <pc:picChg chg="add del mod">
+          <ac:chgData name="Diman Todorov" userId="86af17173021cc57" providerId="LiveId" clId="{CEA83391-A697-4E7F-BE21-1D1209A3FE8E}" dt="2020-12-14T08:01:01.967" v="329" actId="478"/>
+          <ac:picMkLst>
+            <pc:docMk/>
+            <pc:sldMk cId="1269494251" sldId="258"/>
+            <ac:picMk id="53" creationId="{2E876A08-3560-44E6-B6E2-135CF4B2863E}"/>
+          </ac:picMkLst>
+        </pc:picChg>
+        <pc:picChg chg="add mod">
+          <ac:chgData name="Diman Todorov" userId="86af17173021cc57" providerId="LiveId" clId="{CEA83391-A697-4E7F-BE21-1D1209A3FE8E}" dt="2020-12-14T08:01:37.763" v="344" actId="1076"/>
+          <ac:picMkLst>
+            <pc:docMk/>
+            <pc:sldMk cId="1269494251" sldId="258"/>
+            <ac:picMk id="55" creationId="{3B0E2BFA-B0C7-4685-BEC8-12F0C342935E}"/>
+          </ac:picMkLst>
+        </pc:picChg>
+        <pc:picChg chg="add mod">
+          <ac:chgData name="Diman Todorov" userId="86af17173021cc57" providerId="LiveId" clId="{CEA83391-A697-4E7F-BE21-1D1209A3FE8E}" dt="2020-12-14T08:01:45.512" v="346" actId="1076"/>
+          <ac:picMkLst>
+            <pc:docMk/>
+            <pc:sldMk cId="1269494251" sldId="258"/>
+            <ac:picMk id="57" creationId="{F8EBCCD0-5B14-48AA-ACA6-CADCA81EEAEF}"/>
+          </ac:picMkLst>
+        </pc:picChg>
+        <pc:picChg chg="add mod">
+          <ac:chgData name="Diman Todorov" userId="86af17173021cc57" providerId="LiveId" clId="{CEA83391-A697-4E7F-BE21-1D1209A3FE8E}" dt="2020-12-14T08:02:01.300" v="348" actId="1076"/>
+          <ac:picMkLst>
+            <pc:docMk/>
+            <pc:sldMk cId="1269494251" sldId="258"/>
+            <ac:picMk id="59" creationId="{2014156D-5350-4D21-AF44-8979F076193C}"/>
+          </ac:picMkLst>
+        </pc:picChg>
+        <pc:picChg chg="add mod">
+          <ac:chgData name="Diman Todorov" userId="86af17173021cc57" providerId="LiveId" clId="{CEA83391-A697-4E7F-BE21-1D1209A3FE8E}" dt="2020-12-14T07:54:33.256" v="226" actId="1076"/>
+          <ac:picMkLst>
+            <pc:docMk/>
+            <pc:sldMk cId="1269494251" sldId="258"/>
+            <ac:picMk id="1026" creationId="{808F8F21-DEB6-4BB6-8EF5-C2AA6B9D8650}"/>
+          </ac:picMkLst>
+        </pc:picChg>
+        <pc:picChg chg="add mod">
+          <ac:chgData name="Diman Todorov" userId="86af17173021cc57" providerId="LiveId" clId="{CEA83391-A697-4E7F-BE21-1D1209A3FE8E}" dt="2020-12-14T07:55:12.898" v="235" actId="1076"/>
+          <ac:picMkLst>
+            <pc:docMk/>
+            <pc:sldMk cId="1269494251" sldId="258"/>
+            <ac:picMk id="1028" creationId="{2219CF53-94D5-4AD4-B233-097C089947FC}"/>
+          </ac:picMkLst>
+        </pc:picChg>
+        <pc:picChg chg="add mod">
+          <ac:chgData name="Diman Todorov" userId="86af17173021cc57" providerId="LiveId" clId="{CEA83391-A697-4E7F-BE21-1D1209A3FE8E}" dt="2020-12-14T07:54:43.971" v="230" actId="14100"/>
+          <ac:picMkLst>
+            <pc:docMk/>
+            <pc:sldMk cId="1269494251" sldId="258"/>
+            <ac:picMk id="1030" creationId="{26701939-ECC7-42DE-814A-01F8E394997B}"/>
+          </ac:picMkLst>
+        </pc:picChg>
+        <pc:cxnChg chg="add del">
+          <ac:chgData name="Diman Todorov" userId="86af17173021cc57" providerId="LiveId" clId="{CEA83391-A697-4E7F-BE21-1D1209A3FE8E}" dt="2020-12-14T07:53:36.446" v="217" actId="11529"/>
+          <ac:cxnSpMkLst>
+            <pc:docMk/>
+            <pc:sldMk cId="1269494251" sldId="258"/>
+            <ac:cxnSpMk id="6" creationId="{7FEDAEE8-2DCC-479E-A541-CAAA73F38116}"/>
+          </ac:cxnSpMkLst>
+        </pc:cxnChg>
+        <pc:cxnChg chg="add mod">
+          <ac:chgData name="Diman Todorov" userId="86af17173021cc57" providerId="LiveId" clId="{CEA83391-A697-4E7F-BE21-1D1209A3FE8E}" dt="2020-12-14T07:54:43.971" v="230" actId="14100"/>
+          <ac:cxnSpMkLst>
+            <pc:docMk/>
+            <pc:sldMk cId="1269494251" sldId="258"/>
+            <ac:cxnSpMk id="8" creationId="{91413FB6-FB08-4785-947E-6A4E2E14B1E9}"/>
+          </ac:cxnSpMkLst>
+        </pc:cxnChg>
+        <pc:cxnChg chg="add del mod">
+          <ac:chgData name="Diman Todorov" userId="86af17173021cc57" providerId="LiveId" clId="{CEA83391-A697-4E7F-BE21-1D1209A3FE8E}" dt="2020-12-14T07:54:14.301" v="222" actId="21"/>
+          <ac:cxnSpMkLst>
+            <pc:docMk/>
+            <pc:sldMk cId="1269494251" sldId="258"/>
+            <ac:cxnSpMk id="10" creationId="{F476BA6A-3E95-44D3-9034-B946D2D00593}"/>
+          </ac:cxnSpMkLst>
+        </pc:cxnChg>
+        <pc:cxnChg chg="add mod">
+          <ac:chgData name="Diman Todorov" userId="86af17173021cc57" providerId="LiveId" clId="{CEA83391-A697-4E7F-BE21-1D1209A3FE8E}" dt="2020-12-14T07:58:34.958" v="280" actId="1076"/>
+          <ac:cxnSpMkLst>
+            <pc:docMk/>
+            <pc:sldMk cId="1269494251" sldId="258"/>
+            <ac:cxnSpMk id="15" creationId="{4AE927CC-DC3D-4653-9C91-6C8269A8E395}"/>
+          </ac:cxnSpMkLst>
+        </pc:cxnChg>
+        <pc:cxnChg chg="add mod">
+          <ac:chgData name="Diman Todorov" userId="86af17173021cc57" providerId="LiveId" clId="{CEA83391-A697-4E7F-BE21-1D1209A3FE8E}" dt="2020-12-14T07:55:12.898" v="235" actId="1076"/>
+          <ac:cxnSpMkLst>
+            <pc:docMk/>
+            <pc:sldMk cId="1269494251" sldId="258"/>
+            <ac:cxnSpMk id="25" creationId="{CB7B36D5-EDA2-4EA5-98A0-EE52E6F553F5}"/>
+          </ac:cxnSpMkLst>
+        </pc:cxnChg>
+      </pc:sldChg>
+      <pc:sldChg chg="addSp delSp modSp new mod">
+        <pc:chgData name="Diman Todorov" userId="86af17173021cc57" providerId="LiveId" clId="{CEA83391-A697-4E7F-BE21-1D1209A3FE8E}" dt="2020-12-14T08:12:52.557" v="850" actId="1076"/>
+        <pc:sldMkLst>
+          <pc:docMk/>
+          <pc:sldMk cId="2230537242" sldId="259"/>
+        </pc:sldMkLst>
+        <pc:spChg chg="mod">
+          <ac:chgData name="Diman Todorov" userId="86af17173021cc57" providerId="LiveId" clId="{CEA83391-A697-4E7F-BE21-1D1209A3FE8E}" dt="2020-12-14T08:03:24.304" v="390" actId="20577"/>
+          <ac:spMkLst>
+            <pc:docMk/>
+            <pc:sldMk cId="2230537242" sldId="259"/>
+            <ac:spMk id="2" creationId="{ADF69460-98B8-4975-8D22-4B600376EE3C}"/>
+          </ac:spMkLst>
+        </pc:spChg>
+        <pc:spChg chg="del">
+          <ac:chgData name="Diman Todorov" userId="86af17173021cc57" providerId="LiveId" clId="{CEA83391-A697-4E7F-BE21-1D1209A3FE8E}" dt="2020-12-14T08:03:28.252" v="391" actId="478"/>
+          <ac:spMkLst>
+            <pc:docMk/>
+            <pc:sldMk cId="2230537242" sldId="259"/>
+            <ac:spMk id="3" creationId="{23020CB7-5578-41D8-AE79-9F8C862F2E2C}"/>
+          </ac:spMkLst>
+        </pc:spChg>
+        <pc:spChg chg="add mod">
+          <ac:chgData name="Diman Todorov" userId="86af17173021cc57" providerId="LiveId" clId="{CEA83391-A697-4E7F-BE21-1D1209A3FE8E}" dt="2020-12-14T08:09:00.011" v="839" actId="20577"/>
+          <ac:spMkLst>
+            <pc:docMk/>
+            <pc:sldMk cId="2230537242" sldId="259"/>
+            <ac:spMk id="4" creationId="{4EF32996-DE21-463C-84D5-0E0455719ACC}"/>
+          </ac:spMkLst>
+        </pc:spChg>
+        <pc:picChg chg="add mod modCrop">
+          <ac:chgData name="Diman Todorov" userId="86af17173021cc57" providerId="LiveId" clId="{CEA83391-A697-4E7F-BE21-1D1209A3FE8E}" dt="2020-12-14T08:12:52.557" v="850" actId="1076"/>
+          <ac:picMkLst>
+            <pc:docMk/>
+            <pc:sldMk cId="2230537242" sldId="259"/>
+            <ac:picMk id="6" creationId="{8CCED36E-923E-4DF8-8EBE-B83CCE84F4F8}"/>
+          </ac:picMkLst>
+        </pc:picChg>
+      </pc:sldChg>
+      <pc:sldChg chg="addSp delSp modSp new mod">
+        <pc:chgData name="Diman Todorov" userId="86af17173021cc57" providerId="LiveId" clId="{CEA83391-A697-4E7F-BE21-1D1209A3FE8E}" dt="2020-12-14T08:18:32.853" v="1145" actId="20577"/>
+        <pc:sldMkLst>
+          <pc:docMk/>
+          <pc:sldMk cId="2120534913" sldId="260"/>
+        </pc:sldMkLst>
+        <pc:spChg chg="mod">
+          <ac:chgData name="Diman Todorov" userId="86af17173021cc57" providerId="LiveId" clId="{CEA83391-A697-4E7F-BE21-1D1209A3FE8E}" dt="2020-12-14T08:18:32.853" v="1145" actId="20577"/>
+          <ac:spMkLst>
+            <pc:docMk/>
+            <pc:sldMk cId="2120534913" sldId="260"/>
+            <ac:spMk id="2" creationId="{514F39E0-56C9-470B-9A3B-716EBE84E27B}"/>
+          </ac:spMkLst>
+        </pc:spChg>
+        <pc:spChg chg="del mod">
+          <ac:chgData name="Diman Todorov" userId="86af17173021cc57" providerId="LiveId" clId="{CEA83391-A697-4E7F-BE21-1D1209A3FE8E}" dt="2020-12-14T08:13:50.094" v="860" actId="478"/>
+          <ac:spMkLst>
+            <pc:docMk/>
+            <pc:sldMk cId="2120534913" sldId="260"/>
+            <ac:spMk id="3" creationId="{28396F30-3540-4640-8125-0864C1448D9F}"/>
+          </ac:spMkLst>
+        </pc:spChg>
+        <pc:spChg chg="add mod">
+          <ac:chgData name="Diman Todorov" userId="86af17173021cc57" providerId="LiveId" clId="{CEA83391-A697-4E7F-BE21-1D1209A3FE8E}" dt="2020-12-14T08:14:02.376" v="864" actId="1076"/>
+          <ac:spMkLst>
+            <pc:docMk/>
+            <pc:sldMk cId="2120534913" sldId="260"/>
+            <ac:spMk id="5" creationId="{880E4651-ADBD-4172-BDCA-145D5072880B}"/>
+          </ac:spMkLst>
+        </pc:spChg>
+        <pc:spChg chg="add mod">
+          <ac:chgData name="Diman Todorov" userId="86af17173021cc57" providerId="LiveId" clId="{CEA83391-A697-4E7F-BE21-1D1209A3FE8E}" dt="2020-12-14T08:18:25.105" v="1144" actId="20577"/>
+          <ac:spMkLst>
+            <pc:docMk/>
+            <pc:sldMk cId="2120534913" sldId="260"/>
+            <ac:spMk id="6" creationId="{89ED846D-D220-4C5F-AC85-AFE11248F510}"/>
+          </ac:spMkLst>
+        </pc:spChg>
+      </pc:sldChg>
+    </pc:docChg>
+  </pc:docChgLst>
+</pc:chgInfo>
+</file>
+
+<file path=ppt/notesMasters/notesMaster1.xml><?xml version="1.0" encoding="utf-8"?>
+<p:notesMaster xmlns:a="http://schemas.openxmlformats.org/drawingml/2006/main" xmlns:r="http://schemas.openxmlformats.org/officeDocument/2006/relationships" xmlns:p="http://schemas.openxmlformats.org/presentationml/2006/main">
+  <p:cSld>
+    <p:bg>
+      <p:bgRef idx="1001">
+        <a:schemeClr val="bg1"/>
+      </p:bgRef>
+    </p:bg>
+    <p:spTree>
+      <p:nvGrpSpPr>
+        <p:cNvPr id="1" name=""/>
+        <p:cNvGrpSpPr/>
+        <p:nvPr/>
+      </p:nvGrpSpPr>
+      <p:grpSpPr>
+        <a:xfrm>
+          <a:off x="0" y="0"/>
+          <a:ext cx="0" cy="0"/>
+          <a:chOff x="0" y="0"/>
+          <a:chExt cx="0" cy="0"/>
+        </a:xfrm>
+      </p:grpSpPr>
+      <p:sp>
+        <p:nvSpPr>
+          <p:cNvPr id="2" name="Header Placeholder 1"/>
+          <p:cNvSpPr>
+            <a:spLocks noGrp="1"/>
+          </p:cNvSpPr>
+          <p:nvPr>
+            <p:ph type="hdr" sz="quarter"/>
+          </p:nvPr>
+        </p:nvSpPr>
+        <p:spPr>
+          <a:xfrm>
+            <a:off x="0" y="0"/>
+            <a:ext cx="2971800" cy="458788"/>
+          </a:xfrm>
+          <a:prstGeom prst="rect">
+            <a:avLst/>
+          </a:prstGeom>
+        </p:spPr>
+        <p:txBody>
+          <a:bodyPr vert="horz" lIns="91440" tIns="45720" rIns="91440" bIns="45720" rtlCol="0"/>
+          <a:lstStyle>
+            <a:lvl1pPr algn="l">
+              <a:defRPr sz="1200"/>
+            </a:lvl1pPr>
+          </a:lstStyle>
+          <a:p>
+            <a:endParaRPr lang="en-US"/>
+          </a:p>
+        </p:txBody>
+      </p:sp>
+      <p:sp>
+        <p:nvSpPr>
+          <p:cNvPr id="3" name="Date Placeholder 2"/>
+          <p:cNvSpPr>
+            <a:spLocks noGrp="1"/>
+          </p:cNvSpPr>
+          <p:nvPr>
+            <p:ph type="dt" idx="1"/>
+          </p:nvPr>
+        </p:nvSpPr>
+        <p:spPr>
+          <a:xfrm>
+            <a:off x="3884613" y="0"/>
+            <a:ext cx="2971800" cy="458788"/>
+          </a:xfrm>
+          <a:prstGeom prst="rect">
+            <a:avLst/>
+          </a:prstGeom>
+        </p:spPr>
+        <p:txBody>
+          <a:bodyPr vert="horz" lIns="91440" tIns="45720" rIns="91440" bIns="45720" rtlCol="0"/>
+          <a:lstStyle>
+            <a:lvl1pPr algn="r">
+              <a:defRPr sz="1200"/>
+            </a:lvl1pPr>
+          </a:lstStyle>
+          <a:p>
+            <a:fld id="{CF1423AE-5E7D-40B5-992A-D46AFB972E16}" type="datetimeFigureOut">
+              <a:rPr lang="en-US" smtClean="0"/>
+              <a:t>12/14/2020</a:t>
+            </a:fld>
+            <a:endParaRPr lang="en-US"/>
+          </a:p>
+        </p:txBody>
+      </p:sp>
+      <p:sp>
+        <p:nvSpPr>
+          <p:cNvPr id="4" name="Slide Image Placeholder 3"/>
+          <p:cNvSpPr>
+            <a:spLocks noGrp="1" noRot="1" noChangeAspect="1"/>
+          </p:cNvSpPr>
+          <p:nvPr>
+            <p:ph type="sldImg" idx="2"/>
+          </p:nvPr>
+        </p:nvSpPr>
+        <p:spPr>
+          <a:xfrm>
+            <a:off x="685800" y="1143000"/>
+            <a:ext cx="5486400" cy="3086100"/>
+          </a:xfrm>
+          <a:prstGeom prst="rect">
+            <a:avLst/>
+          </a:prstGeom>
+          <a:noFill/>
+          <a:ln w="12700">
+            <a:solidFill>
+              <a:prstClr val="black"/>
+            </a:solidFill>
+          </a:ln>
+        </p:spPr>
+        <p:txBody>
+          <a:bodyPr vert="horz" lIns="91440" tIns="45720" rIns="91440" bIns="45720" rtlCol="0" anchor="ctr"/>
+          <a:lstStyle/>
+          <a:p>
+            <a:endParaRPr lang="en-US"/>
+          </a:p>
+        </p:txBody>
+      </p:sp>
+      <p:sp>
+        <p:nvSpPr>
+          <p:cNvPr id="5" name="Notes Placeholder 4"/>
+          <p:cNvSpPr>
+            <a:spLocks noGrp="1"/>
+          </p:cNvSpPr>
+          <p:nvPr>
+            <p:ph type="body" sz="quarter" idx="3"/>
+          </p:nvPr>
+        </p:nvSpPr>
+        <p:spPr>
+          <a:xfrm>
+            <a:off x="685800" y="4400550"/>
+            <a:ext cx="5486400" cy="3600450"/>
+          </a:xfrm>
+          <a:prstGeom prst="rect">
+            <a:avLst/>
+          </a:prstGeom>
+        </p:spPr>
+        <p:txBody>
+          <a:bodyPr vert="horz" lIns="91440" tIns="45720" rIns="91440" bIns="45720" rtlCol="0"/>
+          <a:lstStyle/>
+          <a:p>
+            <a:pPr lvl="0"/>
+            <a:r>
+              <a:rPr lang="en-US"/>
+              <a:t>Click to edit Master text styles</a:t>
+            </a:r>
+          </a:p>
+          <a:p>
+            <a:pPr lvl="1"/>
+            <a:r>
+              <a:rPr lang="en-US"/>
+              <a:t>Second level</a:t>
+            </a:r>
+          </a:p>
+          <a:p>
+            <a:pPr lvl="2"/>
+            <a:r>
+              <a:rPr lang="en-US"/>
+              <a:t>Third level</a:t>
+            </a:r>
+          </a:p>
+          <a:p>
+            <a:pPr lvl="3"/>
+            <a:r>
+              <a:rPr lang="en-US"/>
+              <a:t>Fourth level</a:t>
+            </a:r>
+          </a:p>
+          <a:p>
+            <a:pPr lvl="4"/>
+            <a:r>
+              <a:rPr lang="en-US"/>
+              <a:t>Fifth level</a:t>
+            </a:r>
+          </a:p>
+        </p:txBody>
+      </p:sp>
+      <p:sp>
+        <p:nvSpPr>
+          <p:cNvPr id="6" name="Footer Placeholder 5"/>
+          <p:cNvSpPr>
+            <a:spLocks noGrp="1"/>
+          </p:cNvSpPr>
+          <p:nvPr>
+            <p:ph type="ftr" sz="quarter" idx="4"/>
+          </p:nvPr>
+        </p:nvSpPr>
+        <p:spPr>
+          <a:xfrm>
+            <a:off x="0" y="8685213"/>
+            <a:ext cx="2971800" cy="458787"/>
+          </a:xfrm>
+          <a:prstGeom prst="rect">
+            <a:avLst/>
+          </a:prstGeom>
+        </p:spPr>
+        <p:txBody>
+          <a:bodyPr vert="horz" lIns="91440" tIns="45720" rIns="91440" bIns="45720" rtlCol="0" anchor="b"/>
+          <a:lstStyle>
+            <a:lvl1pPr algn="l">
+              <a:defRPr sz="1200"/>
+            </a:lvl1pPr>
+          </a:lstStyle>
+          <a:p>
+            <a:endParaRPr lang="en-US"/>
+          </a:p>
+        </p:txBody>
+      </p:sp>
+      <p:sp>
+        <p:nvSpPr>
+          <p:cNvPr id="7" name="Slide Number Placeholder 6"/>
+          <p:cNvSpPr>
+            <a:spLocks noGrp="1"/>
+          </p:cNvSpPr>
+          <p:nvPr>
+            <p:ph type="sldNum" sz="quarter" idx="5"/>
+          </p:nvPr>
+        </p:nvSpPr>
+        <p:spPr>
+          <a:xfrm>
+            <a:off x="3884613" y="8685213"/>
+            <a:ext cx="2971800" cy="458787"/>
+          </a:xfrm>
+          <a:prstGeom prst="rect">
+            <a:avLst/>
+          </a:prstGeom>
+        </p:spPr>
+        <p:txBody>
+          <a:bodyPr vert="horz" lIns="91440" tIns="45720" rIns="91440" bIns="45720" rtlCol="0" anchor="b"/>
+          <a:lstStyle>
+            <a:lvl1pPr algn="r">
+              <a:defRPr sz="1200"/>
+            </a:lvl1pPr>
+          </a:lstStyle>
+          <a:p>
+            <a:fld id="{EC44AD22-BF33-4583-A912-6D3C70FEB2EA}" type="slidenum">
+              <a:rPr lang="en-US" smtClean="0"/>
+              <a:t>‹#›</a:t>
+            </a:fld>
+            <a:endParaRPr lang="en-US"/>
+          </a:p>
+        </p:txBody>
+      </p:sp>
+    </p:spTree>
+    <p:extLst>
+      <p:ext uri="{BB962C8B-B14F-4D97-AF65-F5344CB8AC3E}">
+        <p14:creationId xmlns:p14="http://schemas.microsoft.com/office/powerpoint/2010/main" val="1900248247"/>
+      </p:ext>
+    </p:extLst>
+  </p:cSld>
+  <p:clrMap bg1="lt1" tx1="dk1" bg2="lt2" tx2="dk2" accent1="accent1" accent2="accent2" accent3="accent3" accent4="accent4" accent5="accent5" accent6="accent6" hlink="hlink" folHlink="folHlink"/>
+  <p:notesStyle>
+    <a:lvl1pPr marL="0" algn="l" defTabSz="914400" rtl="0" eaLnBrk="1" latinLnBrk="0" hangingPunct="1">
+      <a:defRPr sz="1200" kern="1200">
+        <a:solidFill>
+          <a:schemeClr val="tx1"/>
+        </a:solidFill>
+        <a:latin typeface="+mn-lt"/>
+        <a:ea typeface="+mn-ea"/>
+        <a:cs typeface="+mn-cs"/>
+      </a:defRPr>
+    </a:lvl1pPr>
+    <a:lvl2pPr marL="457200" algn="l" defTabSz="914400" rtl="0" eaLnBrk="1" latinLnBrk="0" hangingPunct="1">
+      <a:defRPr sz="1200" kern="1200">
+        <a:solidFill>
+          <a:schemeClr val="tx1"/>
+        </a:solidFill>
+        <a:latin typeface="+mn-lt"/>
+        <a:ea typeface="+mn-ea"/>
+        <a:cs typeface="+mn-cs"/>
+      </a:defRPr>
+    </a:lvl2pPr>
+    <a:lvl3pPr marL="914400" algn="l" defTabSz="914400" rtl="0" eaLnBrk="1" latinLnBrk="0" hangingPunct="1">
+      <a:defRPr sz="1200" kern="1200">
+        <a:solidFill>
+          <a:schemeClr val="tx1"/>
+        </a:solidFill>
+        <a:latin typeface="+mn-lt"/>
+        <a:ea typeface="+mn-ea"/>
+        <a:cs typeface="+mn-cs"/>
+      </a:defRPr>
+    </a:lvl3pPr>
+    <a:lvl4pPr marL="1371600" algn="l" defTabSz="914400" rtl="0" eaLnBrk="1" latinLnBrk="0" hangingPunct="1">
+      <a:defRPr sz="1200" kern="1200">
+        <a:solidFill>
+          <a:schemeClr val="tx1"/>
+        </a:solidFill>
+        <a:latin typeface="+mn-lt"/>
+        <a:ea typeface="+mn-ea"/>
+        <a:cs typeface="+mn-cs"/>
+      </a:defRPr>
+    </a:lvl4pPr>
+    <a:lvl5pPr marL="1828800" algn="l" defTabSz="914400" rtl="0" eaLnBrk="1" latinLnBrk="0" hangingPunct="1">
+      <a:defRPr sz="1200" kern="1200">
+        <a:solidFill>
+          <a:schemeClr val="tx1"/>
+        </a:solidFill>
+        <a:latin typeface="+mn-lt"/>
+        <a:ea typeface="+mn-ea"/>
+        <a:cs typeface="+mn-cs"/>
+      </a:defRPr>
+    </a:lvl5pPr>
+    <a:lvl6pPr marL="2286000" algn="l" defTabSz="914400" rtl="0" eaLnBrk="1" latinLnBrk="0" hangingPunct="1">
+      <a:defRPr sz="1200" kern="1200">
+        <a:solidFill>
+          <a:schemeClr val="tx1"/>
+        </a:solidFill>
+        <a:latin typeface="+mn-lt"/>
+        <a:ea typeface="+mn-ea"/>
+        <a:cs typeface="+mn-cs"/>
+      </a:defRPr>
+    </a:lvl6pPr>
+    <a:lvl7pPr marL="2743200" algn="l" defTabSz="914400" rtl="0" eaLnBrk="1" latinLnBrk="0" hangingPunct="1">
+      <a:defRPr sz="1200" kern="1200">
+        <a:solidFill>
+          <a:schemeClr val="tx1"/>
+        </a:solidFill>
+        <a:latin typeface="+mn-lt"/>
+        <a:ea typeface="+mn-ea"/>
+        <a:cs typeface="+mn-cs"/>
+      </a:defRPr>
+    </a:lvl7pPr>
+    <a:lvl8pPr marL="3200400" algn="l" defTabSz="914400" rtl="0" eaLnBrk="1" latinLnBrk="0" hangingPunct="1">
+      <a:defRPr sz="1200" kern="1200">
+        <a:solidFill>
+          <a:schemeClr val="tx1"/>
+        </a:solidFill>
+        <a:latin typeface="+mn-lt"/>
+        <a:ea typeface="+mn-ea"/>
+        <a:cs typeface="+mn-cs"/>
+      </a:defRPr>
+    </a:lvl8pPr>
+    <a:lvl9pPr marL="3657600" algn="l" defTabSz="914400" rtl="0" eaLnBrk="1" latinLnBrk="0" hangingPunct="1">
+      <a:defRPr sz="1200" kern="1200">
+        <a:solidFill>
+          <a:schemeClr val="tx1"/>
+        </a:solidFill>
+        <a:latin typeface="+mn-lt"/>
+        <a:ea typeface="+mn-ea"/>
+        <a:cs typeface="+mn-cs"/>
+      </a:defRPr>
+    </a:lvl9pPr>
+  </p:notesStyle>
+</p:notesMaster>
+</file>
+
+<file path=ppt/notesSlides/notesSlide1.xml><?xml version="1.0" encoding="utf-8"?>
+<p:notes xmlns:a="http://schemas.openxmlformats.org/drawingml/2006/main" xmlns:r="http://schemas.openxmlformats.org/officeDocument/2006/relationships" xmlns:p="http://schemas.openxmlformats.org/presentationml/2006/main">
+  <p:cSld>
+    <p:spTree>
+      <p:nvGrpSpPr>
+        <p:cNvPr id="1" name=""/>
+        <p:cNvGrpSpPr/>
+        <p:nvPr/>
+      </p:nvGrpSpPr>
+      <p:grpSpPr>
+        <a:xfrm>
+          <a:off x="0" y="0"/>
+          <a:ext cx="0" cy="0"/>
+          <a:chOff x="0" y="0"/>
+          <a:chExt cx="0" cy="0"/>
+        </a:xfrm>
+      </p:grpSpPr>
+      <p:sp>
+        <p:nvSpPr>
+          <p:cNvPr id="2" name="Slide Image Placeholder 1"/>
+          <p:cNvSpPr>
+            <a:spLocks noGrp="1" noRot="1" noChangeAspect="1"/>
+          </p:cNvSpPr>
+          <p:nvPr>
+            <p:ph type="sldImg"/>
+          </p:nvPr>
+        </p:nvSpPr>
+        <p:spPr/>
+      </p:sp>
+      <p:sp>
+        <p:nvSpPr>
+          <p:cNvPr id="3" name="Notes Placeholder 2"/>
+          <p:cNvSpPr>
+            <a:spLocks noGrp="1"/>
+          </p:cNvSpPr>
+          <p:nvPr>
+            <p:ph type="body" idx="1"/>
+          </p:nvPr>
+        </p:nvSpPr>
+        <p:spPr/>
+        <p:txBody>
+          <a:bodyPr/>
+          <a:lstStyle/>
+          <a:p>
+            <a:endParaRPr lang="en-US" dirty="0"/>
+          </a:p>
+        </p:txBody>
+      </p:sp>
+      <p:sp>
+        <p:nvSpPr>
+          <p:cNvPr id="4" name="Slide Number Placeholder 3"/>
+          <p:cNvSpPr>
+            <a:spLocks noGrp="1"/>
+          </p:cNvSpPr>
+          <p:nvPr>
+            <p:ph type="sldNum" sz="quarter" idx="5"/>
+          </p:nvPr>
+        </p:nvSpPr>
+        <p:spPr/>
+        <p:txBody>
+          <a:bodyPr/>
+          <a:lstStyle/>
+          <a:p>
+            <a:fld id="{EC44AD22-BF33-4583-A912-6D3C70FEB2EA}" type="slidenum">
+              <a:rPr lang="en-US" smtClean="0"/>
+              <a:t>4</a:t>
+            </a:fld>
+            <a:endParaRPr lang="en-US"/>
+          </a:p>
+        </p:txBody>
+      </p:sp>
+    </p:spTree>
+    <p:extLst>
+      <p:ext uri="{BB962C8B-B14F-4D97-AF65-F5344CB8AC3E}">
+        <p14:creationId xmlns:p14="http://schemas.microsoft.com/office/powerpoint/2010/main" val="60177646"/>
+      </p:ext>
+    </p:extLst>
+  </p:cSld>
+  <p:clrMapOvr>
+    <a:masterClrMapping/>
+  </p:clrMapOvr>
+</p:notes>
 </file>
 
 <file path=ppt/slideLayouts/slideLayout1.xml><?xml version="1.0" encoding="utf-8"?>
@@ -254,7 +1148,7 @@
           <a:p>
             <a:fld id="{688B82C4-0237-4D87-983A-47B564F35908}" type="datetimeFigureOut">
               <a:rPr lang="en-US" smtClean="0"/>
-              <a:t>12/11/2020</a:t>
+              <a:t>12/13/2020</a:t>
             </a:fld>
             <a:endParaRPr lang="en-US"/>
           </a:p>
@@ -452,7 +1346,7 @@
           <a:p>
             <a:fld id="{688B82C4-0237-4D87-983A-47B564F35908}" type="datetimeFigureOut">
               <a:rPr lang="en-US" smtClean="0"/>
-              <a:t>12/11/2020</a:t>
+              <a:t>12/13/2020</a:t>
             </a:fld>
             <a:endParaRPr lang="en-US"/>
           </a:p>
@@ -660,7 +1554,7 @@
           <a:p>
             <a:fld id="{688B82C4-0237-4D87-983A-47B564F35908}" type="datetimeFigureOut">
               <a:rPr lang="en-US" smtClean="0"/>
-              <a:t>12/11/2020</a:t>
+              <a:t>12/13/2020</a:t>
             </a:fld>
             <a:endParaRPr lang="en-US"/>
           </a:p>
@@ -858,7 +1752,7 @@
           <a:p>
             <a:fld id="{688B82C4-0237-4D87-983A-47B564F35908}" type="datetimeFigureOut">
               <a:rPr lang="en-US" smtClean="0"/>
-              <a:t>12/11/2020</a:t>
+              <a:t>12/13/2020</a:t>
             </a:fld>
             <a:endParaRPr lang="en-US"/>
           </a:p>
@@ -1133,7 +2027,7 @@
           <a:p>
             <a:fld id="{688B82C4-0237-4D87-983A-47B564F35908}" type="datetimeFigureOut">
               <a:rPr lang="en-US" smtClean="0"/>
-              <a:t>12/11/2020</a:t>
+              <a:t>12/13/2020</a:t>
             </a:fld>
             <a:endParaRPr lang="en-US"/>
           </a:p>
@@ -1398,7 +2292,7 @@
           <a:p>
             <a:fld id="{688B82C4-0237-4D87-983A-47B564F35908}" type="datetimeFigureOut">
               <a:rPr lang="en-US" smtClean="0"/>
-              <a:t>12/11/2020</a:t>
+              <a:t>12/13/2020</a:t>
             </a:fld>
             <a:endParaRPr lang="en-US"/>
           </a:p>
@@ -1810,7 +2704,7 @@
           <a:p>
             <a:fld id="{688B82C4-0237-4D87-983A-47B564F35908}" type="datetimeFigureOut">
               <a:rPr lang="en-US" smtClean="0"/>
-              <a:t>12/11/2020</a:t>
+              <a:t>12/13/2020</a:t>
             </a:fld>
             <a:endParaRPr lang="en-US"/>
           </a:p>
@@ -1951,7 +2845,7 @@
           <a:p>
             <a:fld id="{688B82C4-0237-4D87-983A-47B564F35908}" type="datetimeFigureOut">
               <a:rPr lang="en-US" smtClean="0"/>
-              <a:t>12/11/2020</a:t>
+              <a:t>12/13/2020</a:t>
             </a:fld>
             <a:endParaRPr lang="en-US"/>
           </a:p>
@@ -2064,7 +2958,7 @@
           <a:p>
             <a:fld id="{688B82C4-0237-4D87-983A-47B564F35908}" type="datetimeFigureOut">
               <a:rPr lang="en-US" smtClean="0"/>
-              <a:t>12/11/2020</a:t>
+              <a:t>12/13/2020</a:t>
             </a:fld>
             <a:endParaRPr lang="en-US"/>
           </a:p>
@@ -2375,7 +3269,7 @@
           <a:p>
             <a:fld id="{688B82C4-0237-4D87-983A-47B564F35908}" type="datetimeFigureOut">
               <a:rPr lang="en-US" smtClean="0"/>
-              <a:t>12/11/2020</a:t>
+              <a:t>12/13/2020</a:t>
             </a:fld>
             <a:endParaRPr lang="en-US"/>
           </a:p>
@@ -2663,7 +3557,7 @@
           <a:p>
             <a:fld id="{688B82C4-0237-4D87-983A-47B564F35908}" type="datetimeFigureOut">
               <a:rPr lang="en-US" smtClean="0"/>
-              <a:t>12/11/2020</a:t>
+              <a:t>12/13/2020</a:t>
             </a:fld>
             <a:endParaRPr lang="en-US"/>
           </a:p>
@@ -2904,7 +3798,7 @@
           <a:p>
             <a:fld id="{688B82C4-0237-4D87-983A-47B564F35908}" type="datetimeFigureOut">
               <a:rPr lang="en-US" smtClean="0"/>
-              <a:t>12/11/2020</a:t>
+              <a:t>12/13/2020</a:t>
             </a:fld>
             <a:endParaRPr lang="en-US"/>
           </a:p>
@@ -3344,7 +4238,7 @@
           <a:p>
             <a:r>
               <a:rPr lang="en-US" dirty="0"/>
-              <a:t>Final Projects</a:t>
+              <a:t>Final Project</a:t>
             </a:r>
           </a:p>
         </p:txBody>
@@ -3373,6 +4267,12 @@
             <a:r>
               <a:rPr lang="en-US" dirty="0"/>
               <a:t>EE P 596  Computer Vision:  Classic and Deep Methods</a:t>
+            </a:r>
+          </a:p>
+          <a:p>
+            <a:r>
+              <a:rPr lang="en-US" dirty="0"/>
+              <a:t>Diman Todorov</a:t>
             </a:r>
           </a:p>
         </p:txBody>
@@ -3381,6 +4281,1513 @@
     <p:extLst>
       <p:ext uri="{BB962C8B-B14F-4D97-AF65-F5344CB8AC3E}">
         <p14:creationId xmlns:p14="http://schemas.microsoft.com/office/powerpoint/2010/main" val="1012393577"/>
+      </p:ext>
+    </p:extLst>
+  </p:cSld>
+  <p:clrMapOvr>
+    <a:masterClrMapping/>
+  </p:clrMapOvr>
+</p:sld>
+</file>
+
+<file path=ppt/slides/slide2.xml><?xml version="1.0" encoding="utf-8"?>
+<p:sld xmlns:a="http://schemas.openxmlformats.org/drawingml/2006/main" xmlns:r="http://schemas.openxmlformats.org/officeDocument/2006/relationships" xmlns:p="http://schemas.openxmlformats.org/presentationml/2006/main">
+  <p:cSld>
+    <p:spTree>
+      <p:nvGrpSpPr>
+        <p:cNvPr id="1" name=""/>
+        <p:cNvGrpSpPr/>
+        <p:nvPr/>
+      </p:nvGrpSpPr>
+      <p:grpSpPr>
+        <a:xfrm>
+          <a:off x="0" y="0"/>
+          <a:ext cx="0" cy="0"/>
+          <a:chOff x="0" y="0"/>
+          <a:chExt cx="0" cy="0"/>
+        </a:xfrm>
+      </p:grpSpPr>
+      <p:sp>
+        <p:nvSpPr>
+          <p:cNvPr id="2" name="Title 1">
+            <a:extLst>
+              <a:ext uri="{FF2B5EF4-FFF2-40B4-BE49-F238E27FC236}">
+                <a16:creationId xmlns:a16="http://schemas.microsoft.com/office/drawing/2014/main" id="{3D6A943B-B3AC-40F8-ACF7-C0E65A4176F8}"/>
+              </a:ext>
+            </a:extLst>
+          </p:cNvPr>
+          <p:cNvSpPr>
+            <a:spLocks noGrp="1"/>
+          </p:cNvSpPr>
+          <p:nvPr>
+            <p:ph type="title"/>
+          </p:nvPr>
+        </p:nvSpPr>
+        <p:spPr/>
+        <p:txBody>
+          <a:bodyPr/>
+          <a:lstStyle/>
+          <a:p>
+            <a:r>
+              <a:rPr lang="en-US" dirty="0"/>
+              <a:t>Topic</a:t>
+            </a:r>
+          </a:p>
+        </p:txBody>
+      </p:sp>
+      <p:pic>
+        <p:nvPicPr>
+          <p:cNvPr id="5" name="Content Placeholder 4" descr="A picture containing calendar&#10;&#10;Description automatically generated">
+            <a:extLst>
+              <a:ext uri="{FF2B5EF4-FFF2-40B4-BE49-F238E27FC236}">
+                <a16:creationId xmlns:a16="http://schemas.microsoft.com/office/drawing/2014/main" id="{1C6C9B9A-ABEA-4BC5-B4D6-1DDC84EED905}"/>
+              </a:ext>
+            </a:extLst>
+          </p:cNvPr>
+          <p:cNvPicPr>
+            <a:picLocks noGrp="1" noChangeAspect="1"/>
+          </p:cNvPicPr>
+          <p:nvPr>
+            <p:ph idx="1"/>
+          </p:nvPr>
+        </p:nvPicPr>
+        <p:blipFill>
+          <a:blip r:embed="rId2">
+            <a:extLst>
+              <a:ext uri="{28A0092B-C50C-407E-A947-70E740481C1C}">
+                <a14:useLocalDpi xmlns:a14="http://schemas.microsoft.com/office/drawing/2010/main" val="0"/>
+              </a:ext>
+            </a:extLst>
+          </a:blip>
+          <a:stretch>
+            <a:fillRect/>
+          </a:stretch>
+        </p:blipFill>
+        <p:spPr>
+          <a:xfrm>
+            <a:off x="631745" y="1392277"/>
+            <a:ext cx="8286524" cy="14489015"/>
+          </a:xfrm>
+        </p:spPr>
+      </p:pic>
+      <p:sp>
+        <p:nvSpPr>
+          <p:cNvPr id="8" name="TextBox 7">
+            <a:extLst>
+              <a:ext uri="{FF2B5EF4-FFF2-40B4-BE49-F238E27FC236}">
+                <a16:creationId xmlns:a16="http://schemas.microsoft.com/office/drawing/2014/main" id="{28E8B00C-3B9F-4653-9F6F-85223EDDECE1}"/>
+              </a:ext>
+            </a:extLst>
+          </p:cNvPr>
+          <p:cNvSpPr txBox="1"/>
+          <p:nvPr/>
+        </p:nvSpPr>
+        <p:spPr>
+          <a:xfrm>
+            <a:off x="3414916" y="970738"/>
+            <a:ext cx="7371538" cy="369332"/>
+          </a:xfrm>
+          <a:prstGeom prst="rect">
+            <a:avLst/>
+          </a:prstGeom>
+          <a:noFill/>
+        </p:spPr>
+        <p:txBody>
+          <a:bodyPr wrap="square" rtlCol="0">
+            <a:spAutoFit/>
+          </a:bodyPr>
+          <a:lstStyle/>
+          <a:p>
+            <a:r>
+              <a:rPr lang="en-US" b="0" dirty="0">
+                <a:solidFill>
+                  <a:srgbClr val="6A9955"/>
+                </a:solidFill>
+                <a:effectLst/>
+                <a:latin typeface="Consolas" panose="020B0609020204030204" pitchFamily="49" charset="0"/>
+              </a:rPr>
+              <a:t>http://www.ironicsans.com/helvarialquiz/</a:t>
+            </a:r>
+            <a:endParaRPr lang="en-US" b="0" dirty="0">
+              <a:solidFill>
+                <a:srgbClr val="D4D4D4"/>
+              </a:solidFill>
+              <a:effectLst/>
+              <a:latin typeface="Consolas" panose="020B0609020204030204" pitchFamily="49" charset="0"/>
+            </a:endParaRPr>
+          </a:p>
+        </p:txBody>
+      </p:sp>
+      <p:sp>
+        <p:nvSpPr>
+          <p:cNvPr id="9" name="Rectangle 8">
+            <a:extLst>
+              <a:ext uri="{FF2B5EF4-FFF2-40B4-BE49-F238E27FC236}">
+                <a16:creationId xmlns:a16="http://schemas.microsoft.com/office/drawing/2014/main" id="{F0A94C42-5A4B-48AB-AC98-010B808C91DA}"/>
+              </a:ext>
+            </a:extLst>
+          </p:cNvPr>
+          <p:cNvSpPr/>
+          <p:nvPr/>
+        </p:nvSpPr>
+        <p:spPr>
+          <a:xfrm>
+            <a:off x="2422510" y="3349911"/>
+            <a:ext cx="4901357" cy="364026"/>
+          </a:xfrm>
+          <a:prstGeom prst="rect">
+            <a:avLst/>
+          </a:prstGeom>
+          <a:noFill/>
+          <a:ln>
+            <a:solidFill>
+              <a:srgbClr val="FF0000"/>
+            </a:solidFill>
+          </a:ln>
+        </p:spPr>
+        <p:style>
+          <a:lnRef idx="2">
+            <a:schemeClr val="accent6"/>
+          </a:lnRef>
+          <a:fillRef idx="1">
+            <a:schemeClr val="lt1"/>
+          </a:fillRef>
+          <a:effectRef idx="0">
+            <a:schemeClr val="accent6"/>
+          </a:effectRef>
+          <a:fontRef idx="minor">
+            <a:schemeClr val="dk1"/>
+          </a:fontRef>
+        </p:style>
+        <p:txBody>
+          <a:bodyPr rtlCol="0" anchor="ctr"/>
+          <a:lstStyle/>
+          <a:p>
+            <a:pPr algn="ctr"/>
+            <a:endParaRPr lang="en-US"/>
+          </a:p>
+        </p:txBody>
+      </p:sp>
+      <p:sp>
+        <p:nvSpPr>
+          <p:cNvPr id="10" name="TextBox 9">
+            <a:extLst>
+              <a:ext uri="{FF2B5EF4-FFF2-40B4-BE49-F238E27FC236}">
+                <a16:creationId xmlns:a16="http://schemas.microsoft.com/office/drawing/2014/main" id="{71B78ED6-5DF9-4BE9-A710-7C3CAF2FA21A}"/>
+              </a:ext>
+            </a:extLst>
+          </p:cNvPr>
+          <p:cNvSpPr txBox="1"/>
+          <p:nvPr/>
+        </p:nvSpPr>
+        <p:spPr>
+          <a:xfrm>
+            <a:off x="7323867" y="3244334"/>
+            <a:ext cx="1828800" cy="369332"/>
+          </a:xfrm>
+          <a:prstGeom prst="rect">
+            <a:avLst/>
+          </a:prstGeom>
+          <a:noFill/>
+        </p:spPr>
+        <p:txBody>
+          <a:bodyPr wrap="square" rtlCol="0">
+            <a:spAutoFit/>
+          </a:bodyPr>
+          <a:lstStyle/>
+          <a:p>
+            <a:r>
+              <a:rPr lang="en-US" b="0" dirty="0">
+                <a:solidFill>
+                  <a:srgbClr val="FF0000"/>
+                </a:solidFill>
+                <a:effectLst/>
+                <a:latin typeface="Consolas" panose="020B0609020204030204" pitchFamily="49" charset="0"/>
+              </a:rPr>
+              <a:t>85% accuracy</a:t>
+            </a:r>
+          </a:p>
+        </p:txBody>
+      </p:sp>
+    </p:spTree>
+    <p:extLst>
+      <p:ext uri="{BB962C8B-B14F-4D97-AF65-F5344CB8AC3E}">
+        <p14:creationId xmlns:p14="http://schemas.microsoft.com/office/powerpoint/2010/main" val="2329638353"/>
+      </p:ext>
+    </p:extLst>
+  </p:cSld>
+  <p:clrMapOvr>
+    <a:masterClrMapping/>
+  </p:clrMapOvr>
+</p:sld>
+</file>
+
+<file path=ppt/slides/slide3.xml><?xml version="1.0" encoding="utf-8"?>
+<p:sld xmlns:a="http://schemas.openxmlformats.org/drawingml/2006/main" xmlns:r="http://schemas.openxmlformats.org/officeDocument/2006/relationships" xmlns:p="http://schemas.openxmlformats.org/presentationml/2006/main">
+  <p:cSld>
+    <p:spTree>
+      <p:nvGrpSpPr>
+        <p:cNvPr id="1" name=""/>
+        <p:cNvGrpSpPr/>
+        <p:nvPr/>
+      </p:nvGrpSpPr>
+      <p:grpSpPr>
+        <a:xfrm>
+          <a:off x="0" y="0"/>
+          <a:ext cx="0" cy="0"/>
+          <a:chOff x="0" y="0"/>
+          <a:chExt cx="0" cy="0"/>
+        </a:xfrm>
+      </p:grpSpPr>
+      <p:sp>
+        <p:nvSpPr>
+          <p:cNvPr id="2" name="Title 1">
+            <a:extLst>
+              <a:ext uri="{FF2B5EF4-FFF2-40B4-BE49-F238E27FC236}">
+                <a16:creationId xmlns:a16="http://schemas.microsoft.com/office/drawing/2014/main" id="{E55E7CC8-2721-4DDC-989F-EFF44E21FA00}"/>
+              </a:ext>
+            </a:extLst>
+          </p:cNvPr>
+          <p:cNvSpPr>
+            <a:spLocks noGrp="1"/>
+          </p:cNvSpPr>
+          <p:nvPr>
+            <p:ph type="title"/>
+          </p:nvPr>
+        </p:nvSpPr>
+        <p:spPr/>
+        <p:txBody>
+          <a:bodyPr/>
+          <a:lstStyle/>
+          <a:p>
+            <a:r>
+              <a:rPr lang="en-US" dirty="0"/>
+              <a:t>Data</a:t>
+            </a:r>
+          </a:p>
+        </p:txBody>
+      </p:sp>
+      <p:pic>
+        <p:nvPicPr>
+          <p:cNvPr id="1026" name="Picture 2" descr="Wikipedia logo - Wikipedia">
+            <a:extLst>
+              <a:ext uri="{FF2B5EF4-FFF2-40B4-BE49-F238E27FC236}">
+                <a16:creationId xmlns:a16="http://schemas.microsoft.com/office/drawing/2014/main" id="{808F8F21-DEB6-4BB6-8EF5-C2AA6B9D8650}"/>
+              </a:ext>
+            </a:extLst>
+          </p:cNvPr>
+          <p:cNvPicPr>
+            <a:picLocks noChangeAspect="1" noChangeArrowheads="1"/>
+          </p:cNvPicPr>
+          <p:nvPr/>
+        </p:nvPicPr>
+        <p:blipFill>
+          <a:blip r:embed="rId2">
+            <a:extLst>
+              <a:ext uri="{28A0092B-C50C-407E-A947-70E740481C1C}">
+                <a14:useLocalDpi xmlns:a14="http://schemas.microsoft.com/office/drawing/2010/main" val="0"/>
+              </a:ext>
+            </a:extLst>
+          </a:blip>
+          <a:srcRect/>
+          <a:stretch>
+            <a:fillRect/>
+          </a:stretch>
+        </p:blipFill>
+        <p:spPr bwMode="auto">
+          <a:xfrm>
+            <a:off x="92487" y="1648424"/>
+            <a:ext cx="1328493" cy="1212313"/>
+          </a:xfrm>
+          <a:prstGeom prst="rect">
+            <a:avLst/>
+          </a:prstGeom>
+          <a:noFill/>
+          <a:extLst>
+            <a:ext uri="{909E8E84-426E-40DD-AFC4-6F175D3DCCD1}">
+              <a14:hiddenFill xmlns:a14="http://schemas.microsoft.com/office/drawing/2010/main">
+                <a:solidFill>
+                  <a:srgbClr val="FFFFFF"/>
+                </a:solidFill>
+              </a14:hiddenFill>
+            </a:ext>
+          </a:extLst>
+        </p:spPr>
+      </p:pic>
+      <p:pic>
+        <p:nvPicPr>
+          <p:cNvPr id="1028" name="Picture 4">
+            <a:extLst>
+              <a:ext uri="{FF2B5EF4-FFF2-40B4-BE49-F238E27FC236}">
+                <a16:creationId xmlns:a16="http://schemas.microsoft.com/office/drawing/2014/main" id="{2219CF53-94D5-4AD4-B233-097C089947FC}"/>
+              </a:ext>
+            </a:extLst>
+          </p:cNvPr>
+          <p:cNvPicPr>
+            <a:picLocks noChangeAspect="1" noChangeArrowheads="1"/>
+          </p:cNvPicPr>
+          <p:nvPr/>
+        </p:nvPicPr>
+        <p:blipFill>
+          <a:blip r:embed="rId3">
+            <a:extLst>
+              <a:ext uri="{28A0092B-C50C-407E-A947-70E740481C1C}">
+                <a14:useLocalDpi xmlns:a14="http://schemas.microsoft.com/office/drawing/2010/main" val="0"/>
+              </a:ext>
+            </a:extLst>
+          </a:blip>
+          <a:srcRect/>
+          <a:stretch>
+            <a:fillRect/>
+          </a:stretch>
+        </p:blipFill>
+        <p:spPr bwMode="auto">
+          <a:xfrm>
+            <a:off x="6976609" y="1372936"/>
+            <a:ext cx="2562719" cy="902776"/>
+          </a:xfrm>
+          <a:prstGeom prst="rect">
+            <a:avLst/>
+          </a:prstGeom>
+          <a:noFill/>
+          <a:extLst>
+            <a:ext uri="{909E8E84-426E-40DD-AFC4-6F175D3DCCD1}">
+              <a14:hiddenFill xmlns:a14="http://schemas.microsoft.com/office/drawing/2010/main">
+                <a:solidFill>
+                  <a:srgbClr val="FFFFFF"/>
+                </a:solidFill>
+              </a14:hiddenFill>
+            </a:ext>
+          </a:extLst>
+        </p:spPr>
+      </p:pic>
+      <p:sp>
+        <p:nvSpPr>
+          <p:cNvPr id="4" name="TextBox 3">
+            <a:extLst>
+              <a:ext uri="{FF2B5EF4-FFF2-40B4-BE49-F238E27FC236}">
+                <a16:creationId xmlns:a16="http://schemas.microsoft.com/office/drawing/2014/main" id="{CC55EAB1-2B24-4116-8809-02C259F34DF9}"/>
+              </a:ext>
+            </a:extLst>
+          </p:cNvPr>
+          <p:cNvSpPr txBox="1"/>
+          <p:nvPr/>
+        </p:nvSpPr>
+        <p:spPr>
+          <a:xfrm>
+            <a:off x="1085121" y="3852128"/>
+            <a:ext cx="2344505" cy="2862322"/>
+          </a:xfrm>
+          <a:prstGeom prst="rect">
+            <a:avLst/>
+          </a:prstGeom>
+          <a:noFill/>
+        </p:spPr>
+        <p:txBody>
+          <a:bodyPr wrap="square" rtlCol="0">
+            <a:spAutoFit/>
+          </a:bodyPr>
+          <a:lstStyle/>
+          <a:p>
+            <a:r>
+              <a:rPr lang="en-US" dirty="0">
+                <a:latin typeface="Arial" panose="020B0604020202020204" pitchFamily="34" charset="0"/>
+                <a:cs typeface="Arial" panose="020B0604020202020204" pitchFamily="34" charset="0"/>
+              </a:rPr>
+              <a:t>Arial</a:t>
+            </a:r>
+          </a:p>
+          <a:p>
+            <a:r>
+              <a:rPr lang="en-US" dirty="0">
+                <a:latin typeface="Times New Roman" panose="02020603050405020304" pitchFamily="18" charset="0"/>
+                <a:cs typeface="Times New Roman" panose="02020603050405020304" pitchFamily="18" charset="0"/>
+              </a:rPr>
+              <a:t>Times New Roman</a:t>
+            </a:r>
+          </a:p>
+          <a:p>
+            <a:r>
+              <a:rPr lang="en-US" dirty="0">
+                <a:latin typeface="Courier New" panose="02070309020205020404" pitchFamily="49" charset="0"/>
+                <a:cs typeface="Courier New" panose="02070309020205020404" pitchFamily="49" charset="0"/>
+              </a:rPr>
+              <a:t>Courier New</a:t>
+            </a:r>
+          </a:p>
+          <a:p>
+            <a:r>
+              <a:rPr lang="en-US" dirty="0"/>
+              <a:t>Calibri</a:t>
+            </a:r>
+          </a:p>
+          <a:p>
+            <a:r>
+              <a:rPr lang="en-US" dirty="0">
+                <a:latin typeface="Candara" panose="020E0502030303020204" pitchFamily="34" charset="0"/>
+              </a:rPr>
+              <a:t>Candara</a:t>
+            </a:r>
+          </a:p>
+          <a:p>
+            <a:r>
+              <a:rPr lang="en-US" dirty="0">
+                <a:latin typeface="Georgia" panose="02040502050405020303" pitchFamily="18" charset="0"/>
+              </a:rPr>
+              <a:t>Georgia</a:t>
+            </a:r>
+          </a:p>
+          <a:p>
+            <a:r>
+              <a:rPr lang="en-US" dirty="0">
+                <a:latin typeface="Corbel" panose="020B0503020204020204" pitchFamily="34" charset="0"/>
+              </a:rPr>
+              <a:t>Corbel</a:t>
+            </a:r>
+          </a:p>
+          <a:p>
+            <a:r>
+              <a:rPr lang="en-US" dirty="0">
+                <a:latin typeface="Helvetica" pitchFamily="2" charset="0"/>
+              </a:rPr>
+              <a:t>Helvetica</a:t>
+            </a:r>
+          </a:p>
+          <a:p>
+            <a:r>
+              <a:rPr lang="en-US" dirty="0">
+                <a:latin typeface="Comic Sans MS" panose="030F0702030302020204" pitchFamily="66" charset="0"/>
+              </a:rPr>
+              <a:t>Comic Sans MS</a:t>
+            </a:r>
+          </a:p>
+          <a:p>
+            <a:r>
+              <a:rPr lang="en-US" dirty="0">
+                <a:latin typeface="Garamond" panose="02020404030301010803" pitchFamily="18" charset="0"/>
+              </a:rPr>
+              <a:t>Garamond</a:t>
+            </a:r>
+          </a:p>
+        </p:txBody>
+      </p:sp>
+      <p:pic>
+        <p:nvPicPr>
+          <p:cNvPr id="1030" name="Picture 6" descr="ImageMagick - Wikipedia">
+            <a:extLst>
+              <a:ext uri="{FF2B5EF4-FFF2-40B4-BE49-F238E27FC236}">
+                <a16:creationId xmlns:a16="http://schemas.microsoft.com/office/drawing/2014/main" id="{26701939-ECC7-42DE-814A-01F8E394997B}"/>
+              </a:ext>
+            </a:extLst>
+          </p:cNvPr>
+          <p:cNvPicPr>
+            <a:picLocks noChangeAspect="1" noChangeArrowheads="1"/>
+          </p:cNvPicPr>
+          <p:nvPr/>
+        </p:nvPicPr>
+        <p:blipFill>
+          <a:blip r:embed="rId4">
+            <a:extLst>
+              <a:ext uri="{28A0092B-C50C-407E-A947-70E740481C1C}">
+                <a14:useLocalDpi xmlns:a14="http://schemas.microsoft.com/office/drawing/2010/main" val="0"/>
+              </a:ext>
+            </a:extLst>
+          </a:blip>
+          <a:srcRect/>
+          <a:stretch>
+            <a:fillRect/>
+          </a:stretch>
+        </p:blipFill>
+        <p:spPr bwMode="auto">
+          <a:xfrm>
+            <a:off x="2965801" y="691057"/>
+            <a:ext cx="2196336" cy="2273160"/>
+          </a:xfrm>
+          <a:prstGeom prst="rect">
+            <a:avLst/>
+          </a:prstGeom>
+          <a:noFill/>
+          <a:extLst>
+            <a:ext uri="{909E8E84-426E-40DD-AFC4-6F175D3DCCD1}">
+              <a14:hiddenFill xmlns:a14="http://schemas.microsoft.com/office/drawing/2010/main">
+                <a:solidFill>
+                  <a:srgbClr val="FFFFFF"/>
+                </a:solidFill>
+              </a14:hiddenFill>
+            </a:ext>
+          </a:extLst>
+        </p:spPr>
+      </p:pic>
+      <p:cxnSp>
+        <p:nvCxnSpPr>
+          <p:cNvPr id="8" name="Connector: Elbow 7">
+            <a:extLst>
+              <a:ext uri="{FF2B5EF4-FFF2-40B4-BE49-F238E27FC236}">
+                <a16:creationId xmlns:a16="http://schemas.microsoft.com/office/drawing/2014/main" id="{91413FB6-FB08-4785-947E-6A4E2E14B1E9}"/>
+              </a:ext>
+            </a:extLst>
+          </p:cNvPr>
+          <p:cNvCxnSpPr>
+            <a:stCxn id="1026" idx="3"/>
+            <a:endCxn id="1030" idx="1"/>
+          </p:cNvCxnSpPr>
+          <p:nvPr/>
+        </p:nvCxnSpPr>
+        <p:spPr>
+          <a:xfrm flipV="1">
+            <a:off x="1420980" y="1827637"/>
+            <a:ext cx="1544821" cy="426944"/>
+          </a:xfrm>
+          <a:prstGeom prst="bentConnector3">
+            <a:avLst/>
+          </a:prstGeom>
+          <a:ln>
+            <a:tailEnd type="triangle"/>
+          </a:ln>
+        </p:spPr>
+        <p:style>
+          <a:lnRef idx="1">
+            <a:schemeClr val="accent1"/>
+          </a:lnRef>
+          <a:fillRef idx="0">
+            <a:schemeClr val="accent1"/>
+          </a:fillRef>
+          <a:effectRef idx="0">
+            <a:schemeClr val="accent1"/>
+          </a:effectRef>
+          <a:fontRef idx="minor">
+            <a:schemeClr val="tx1"/>
+          </a:fontRef>
+        </p:style>
+      </p:cxnSp>
+      <p:cxnSp>
+        <p:nvCxnSpPr>
+          <p:cNvPr id="15" name="Connector: Elbow 14">
+            <a:extLst>
+              <a:ext uri="{FF2B5EF4-FFF2-40B4-BE49-F238E27FC236}">
+                <a16:creationId xmlns:a16="http://schemas.microsoft.com/office/drawing/2014/main" id="{4AE927CC-DC3D-4653-9C91-6C8269A8E395}"/>
+              </a:ext>
+            </a:extLst>
+          </p:cNvPr>
+          <p:cNvCxnSpPr>
+            <a:cxnSpLocks/>
+            <a:stCxn id="4" idx="3"/>
+            <a:endCxn id="1030" idx="2"/>
+          </p:cNvCxnSpPr>
+          <p:nvPr/>
+        </p:nvCxnSpPr>
+        <p:spPr>
+          <a:xfrm flipV="1">
+            <a:off x="3429626" y="2964217"/>
+            <a:ext cx="634343" cy="2319072"/>
+          </a:xfrm>
+          <a:prstGeom prst="bentConnector2">
+            <a:avLst/>
+          </a:prstGeom>
+          <a:ln>
+            <a:tailEnd type="triangle"/>
+          </a:ln>
+        </p:spPr>
+        <p:style>
+          <a:lnRef idx="1">
+            <a:schemeClr val="accent1"/>
+          </a:lnRef>
+          <a:fillRef idx="0">
+            <a:schemeClr val="accent1"/>
+          </a:fillRef>
+          <a:effectRef idx="0">
+            <a:schemeClr val="accent1"/>
+          </a:effectRef>
+          <a:fontRef idx="minor">
+            <a:schemeClr val="tx1"/>
+          </a:fontRef>
+        </p:style>
+      </p:cxnSp>
+      <p:cxnSp>
+        <p:nvCxnSpPr>
+          <p:cNvPr id="25" name="Connector: Elbow 24">
+            <a:extLst>
+              <a:ext uri="{FF2B5EF4-FFF2-40B4-BE49-F238E27FC236}">
+                <a16:creationId xmlns:a16="http://schemas.microsoft.com/office/drawing/2014/main" id="{CB7B36D5-EDA2-4EA5-98A0-EE52E6F553F5}"/>
+              </a:ext>
+            </a:extLst>
+          </p:cNvPr>
+          <p:cNvCxnSpPr>
+            <a:cxnSpLocks/>
+            <a:stCxn id="1030" idx="3"/>
+            <a:endCxn id="1028" idx="1"/>
+          </p:cNvCxnSpPr>
+          <p:nvPr/>
+        </p:nvCxnSpPr>
+        <p:spPr>
+          <a:xfrm flipV="1">
+            <a:off x="5162137" y="1824324"/>
+            <a:ext cx="1814472" cy="3313"/>
+          </a:xfrm>
+          <a:prstGeom prst="bentConnector3">
+            <a:avLst>
+              <a:gd name="adj1" fmla="val 50000"/>
+            </a:avLst>
+          </a:prstGeom>
+          <a:ln>
+            <a:tailEnd type="triangle"/>
+          </a:ln>
+        </p:spPr>
+        <p:style>
+          <a:lnRef idx="1">
+            <a:schemeClr val="accent1"/>
+          </a:lnRef>
+          <a:fillRef idx="0">
+            <a:schemeClr val="accent1"/>
+          </a:fillRef>
+          <a:effectRef idx="0">
+            <a:schemeClr val="accent1"/>
+          </a:effectRef>
+          <a:fontRef idx="minor">
+            <a:schemeClr val="tx1"/>
+          </a:fontRef>
+        </p:style>
+      </p:cxnSp>
+      <p:sp>
+        <p:nvSpPr>
+          <p:cNvPr id="28" name="Cylinder 27">
+            <a:extLst>
+              <a:ext uri="{FF2B5EF4-FFF2-40B4-BE49-F238E27FC236}">
+                <a16:creationId xmlns:a16="http://schemas.microsoft.com/office/drawing/2014/main" id="{3DD1E2EF-4668-4C56-8D55-B68354F7B115}"/>
+              </a:ext>
+            </a:extLst>
+          </p:cNvPr>
+          <p:cNvSpPr/>
+          <p:nvPr/>
+        </p:nvSpPr>
+        <p:spPr>
+          <a:xfrm>
+            <a:off x="6842831" y="3053354"/>
+            <a:ext cx="923067" cy="1027074"/>
+          </a:xfrm>
+          <a:prstGeom prst="can">
+            <a:avLst/>
+          </a:prstGeom>
+        </p:spPr>
+        <p:style>
+          <a:lnRef idx="2">
+            <a:schemeClr val="accent1">
+              <a:shade val="50000"/>
+            </a:schemeClr>
+          </a:lnRef>
+          <a:fillRef idx="1">
+            <a:schemeClr val="accent1"/>
+          </a:fillRef>
+          <a:effectRef idx="0">
+            <a:schemeClr val="accent1"/>
+          </a:effectRef>
+          <a:fontRef idx="minor">
+            <a:schemeClr val="lt1"/>
+          </a:fontRef>
+        </p:style>
+        <p:txBody>
+          <a:bodyPr rtlCol="0" anchor="ctr"/>
+          <a:lstStyle/>
+          <a:p>
+            <a:pPr algn="ctr"/>
+            <a:endParaRPr lang="en-US"/>
+          </a:p>
+        </p:txBody>
+      </p:sp>
+      <p:sp>
+        <p:nvSpPr>
+          <p:cNvPr id="32" name="Cylinder 31">
+            <a:extLst>
+              <a:ext uri="{FF2B5EF4-FFF2-40B4-BE49-F238E27FC236}">
+                <a16:creationId xmlns:a16="http://schemas.microsoft.com/office/drawing/2014/main" id="{37C9FC0A-C129-49B8-9E2E-FCDF182E781E}"/>
+              </a:ext>
+            </a:extLst>
+          </p:cNvPr>
+          <p:cNvSpPr/>
+          <p:nvPr/>
+        </p:nvSpPr>
+        <p:spPr>
+          <a:xfrm>
+            <a:off x="6842831" y="4774722"/>
+            <a:ext cx="923067" cy="423975"/>
+          </a:xfrm>
+          <a:prstGeom prst="can">
+            <a:avLst/>
+          </a:prstGeom>
+          <a:solidFill>
+            <a:srgbClr val="FF0000"/>
+          </a:solidFill>
+        </p:spPr>
+        <p:style>
+          <a:lnRef idx="2">
+            <a:schemeClr val="accent1">
+              <a:shade val="50000"/>
+            </a:schemeClr>
+          </a:lnRef>
+          <a:fillRef idx="1">
+            <a:schemeClr val="accent1"/>
+          </a:fillRef>
+          <a:effectRef idx="0">
+            <a:schemeClr val="accent1"/>
+          </a:effectRef>
+          <a:fontRef idx="minor">
+            <a:schemeClr val="lt1"/>
+          </a:fontRef>
+        </p:style>
+        <p:txBody>
+          <a:bodyPr rtlCol="0" anchor="ctr"/>
+          <a:lstStyle/>
+          <a:p>
+            <a:pPr algn="ctr"/>
+            <a:endParaRPr lang="en-US"/>
+          </a:p>
+        </p:txBody>
+      </p:sp>
+      <p:sp>
+        <p:nvSpPr>
+          <p:cNvPr id="29" name="TextBox 28">
+            <a:extLst>
+              <a:ext uri="{FF2B5EF4-FFF2-40B4-BE49-F238E27FC236}">
+                <a16:creationId xmlns:a16="http://schemas.microsoft.com/office/drawing/2014/main" id="{D21471B6-C34F-423B-9308-2426B039BA9E}"/>
+              </a:ext>
+            </a:extLst>
+          </p:cNvPr>
+          <p:cNvSpPr txBox="1"/>
+          <p:nvPr/>
+        </p:nvSpPr>
+        <p:spPr>
+          <a:xfrm>
+            <a:off x="4842486" y="3429000"/>
+            <a:ext cx="1943442" cy="369332"/>
+          </a:xfrm>
+          <a:prstGeom prst="rect">
+            <a:avLst/>
+          </a:prstGeom>
+          <a:noFill/>
+        </p:spPr>
+        <p:txBody>
+          <a:bodyPr wrap="square" rtlCol="0">
+            <a:spAutoFit/>
+          </a:bodyPr>
+          <a:lstStyle/>
+          <a:p>
+            <a:r>
+              <a:rPr lang="en-US" dirty="0"/>
+              <a:t>~40k training data</a:t>
+            </a:r>
+          </a:p>
+        </p:txBody>
+      </p:sp>
+      <p:sp>
+        <p:nvSpPr>
+          <p:cNvPr id="34" name="TextBox 33">
+            <a:extLst>
+              <a:ext uri="{FF2B5EF4-FFF2-40B4-BE49-F238E27FC236}">
+                <a16:creationId xmlns:a16="http://schemas.microsoft.com/office/drawing/2014/main" id="{3E5467AB-FD9D-4113-98E4-11136B39E20F}"/>
+              </a:ext>
+            </a:extLst>
+          </p:cNvPr>
+          <p:cNvSpPr txBox="1"/>
+          <p:nvPr/>
+        </p:nvSpPr>
+        <p:spPr>
+          <a:xfrm>
+            <a:off x="4899389" y="4765678"/>
+            <a:ext cx="1943442" cy="369332"/>
+          </a:xfrm>
+          <a:prstGeom prst="rect">
+            <a:avLst/>
+          </a:prstGeom>
+          <a:noFill/>
+        </p:spPr>
+        <p:txBody>
+          <a:bodyPr wrap="square" rtlCol="0">
+            <a:spAutoFit/>
+          </a:bodyPr>
+          <a:lstStyle/>
+          <a:p>
+            <a:r>
+              <a:rPr lang="en-US" dirty="0"/>
+              <a:t>~10k test data</a:t>
+            </a:r>
+          </a:p>
+        </p:txBody>
+      </p:sp>
+      <p:sp>
+        <p:nvSpPr>
+          <p:cNvPr id="36" name="TextBox 35">
+            <a:extLst>
+              <a:ext uri="{FF2B5EF4-FFF2-40B4-BE49-F238E27FC236}">
+                <a16:creationId xmlns:a16="http://schemas.microsoft.com/office/drawing/2014/main" id="{2B2EC84C-5459-4C99-8697-A34384FD37A1}"/>
+              </a:ext>
+            </a:extLst>
+          </p:cNvPr>
+          <p:cNvSpPr txBox="1"/>
+          <p:nvPr/>
+        </p:nvSpPr>
+        <p:spPr>
+          <a:xfrm>
+            <a:off x="449259" y="2868688"/>
+            <a:ext cx="2516542" cy="369332"/>
+          </a:xfrm>
+          <a:prstGeom prst="rect">
+            <a:avLst/>
+          </a:prstGeom>
+          <a:noFill/>
+        </p:spPr>
+        <p:txBody>
+          <a:bodyPr wrap="square" rtlCol="0">
+            <a:spAutoFit/>
+          </a:bodyPr>
+          <a:lstStyle/>
+          <a:p>
+            <a:r>
+              <a:rPr lang="en-US" dirty="0"/>
+              <a:t>~5.5 million abstracts</a:t>
+            </a:r>
+          </a:p>
+        </p:txBody>
+      </p:sp>
+      <p:pic>
+        <p:nvPicPr>
+          <p:cNvPr id="55" name="Picture 54">
+            <a:extLst>
+              <a:ext uri="{FF2B5EF4-FFF2-40B4-BE49-F238E27FC236}">
+                <a16:creationId xmlns:a16="http://schemas.microsoft.com/office/drawing/2014/main" id="{3B0E2BFA-B0C7-4685-BEC8-12F0C342935E}"/>
+              </a:ext>
+            </a:extLst>
+          </p:cNvPr>
+          <p:cNvPicPr>
+            <a:picLocks noChangeAspect="1"/>
+          </p:cNvPicPr>
+          <p:nvPr/>
+        </p:nvPicPr>
+        <p:blipFill>
+          <a:blip r:embed="rId5">
+            <a:extLst>
+              <a:ext uri="{28A0092B-C50C-407E-A947-70E740481C1C}">
+                <a14:useLocalDpi xmlns:a14="http://schemas.microsoft.com/office/drawing/2010/main" val="0"/>
+              </a:ext>
+            </a:extLst>
+          </a:blip>
+          <a:stretch>
+            <a:fillRect/>
+          </a:stretch>
+        </p:blipFill>
+        <p:spPr>
+          <a:xfrm>
+            <a:off x="9444466" y="3414491"/>
+            <a:ext cx="2438400" cy="304800"/>
+          </a:xfrm>
+          <a:prstGeom prst="rect">
+            <a:avLst/>
+          </a:prstGeom>
+        </p:spPr>
+      </p:pic>
+      <p:pic>
+        <p:nvPicPr>
+          <p:cNvPr id="57" name="Picture 56">
+            <a:extLst>
+              <a:ext uri="{FF2B5EF4-FFF2-40B4-BE49-F238E27FC236}">
+                <a16:creationId xmlns:a16="http://schemas.microsoft.com/office/drawing/2014/main" id="{F8EBCCD0-5B14-48AA-ACA6-CADCA81EEAEF}"/>
+              </a:ext>
+            </a:extLst>
+          </p:cNvPr>
+          <p:cNvPicPr>
+            <a:picLocks noChangeAspect="1"/>
+          </p:cNvPicPr>
+          <p:nvPr/>
+        </p:nvPicPr>
+        <p:blipFill>
+          <a:blip r:embed="rId6">
+            <a:extLst>
+              <a:ext uri="{28A0092B-C50C-407E-A947-70E740481C1C}">
+                <a14:useLocalDpi xmlns:a14="http://schemas.microsoft.com/office/drawing/2010/main" val="0"/>
+              </a:ext>
+            </a:extLst>
+          </a:blip>
+          <a:stretch>
+            <a:fillRect/>
+          </a:stretch>
+        </p:blipFill>
+        <p:spPr>
+          <a:xfrm>
+            <a:off x="9444466" y="3813734"/>
+            <a:ext cx="2438400" cy="304800"/>
+          </a:xfrm>
+          <a:prstGeom prst="rect">
+            <a:avLst/>
+          </a:prstGeom>
+        </p:spPr>
+      </p:pic>
+      <p:pic>
+        <p:nvPicPr>
+          <p:cNvPr id="59" name="Picture 58">
+            <a:extLst>
+              <a:ext uri="{FF2B5EF4-FFF2-40B4-BE49-F238E27FC236}">
+                <a16:creationId xmlns:a16="http://schemas.microsoft.com/office/drawing/2014/main" id="{2014156D-5350-4D21-AF44-8979F076193C}"/>
+              </a:ext>
+            </a:extLst>
+          </p:cNvPr>
+          <p:cNvPicPr>
+            <a:picLocks noChangeAspect="1"/>
+          </p:cNvPicPr>
+          <p:nvPr/>
+        </p:nvPicPr>
+        <p:blipFill>
+          <a:blip r:embed="rId7">
+            <a:extLst>
+              <a:ext uri="{28A0092B-C50C-407E-A947-70E740481C1C}">
+                <a14:useLocalDpi xmlns:a14="http://schemas.microsoft.com/office/drawing/2010/main" val="0"/>
+              </a:ext>
+            </a:extLst>
+          </a:blip>
+          <a:stretch>
+            <a:fillRect/>
+          </a:stretch>
+        </p:blipFill>
+        <p:spPr>
+          <a:xfrm>
+            <a:off x="9444466" y="4212977"/>
+            <a:ext cx="2438400" cy="304800"/>
+          </a:xfrm>
+          <a:prstGeom prst="rect">
+            <a:avLst/>
+          </a:prstGeom>
+        </p:spPr>
+      </p:pic>
+      <p:sp>
+        <p:nvSpPr>
+          <p:cNvPr id="63" name="TextBox 62">
+            <a:extLst>
+              <a:ext uri="{FF2B5EF4-FFF2-40B4-BE49-F238E27FC236}">
+                <a16:creationId xmlns:a16="http://schemas.microsoft.com/office/drawing/2014/main" id="{EB500574-2626-40C0-9A62-7F578B000C67}"/>
+              </a:ext>
+            </a:extLst>
+          </p:cNvPr>
+          <p:cNvSpPr txBox="1"/>
+          <p:nvPr/>
+        </p:nvSpPr>
+        <p:spPr>
+          <a:xfrm>
+            <a:off x="9709340" y="4612220"/>
+            <a:ext cx="1943442" cy="369332"/>
+          </a:xfrm>
+          <a:prstGeom prst="rect">
+            <a:avLst/>
+          </a:prstGeom>
+          <a:noFill/>
+        </p:spPr>
+        <p:txBody>
+          <a:bodyPr wrap="square" rtlCol="0">
+            <a:spAutoFit/>
+          </a:bodyPr>
+          <a:lstStyle/>
+          <a:p>
+            <a:pPr algn="ctr"/>
+            <a:r>
+              <a:rPr lang="en-US" dirty="0"/>
+              <a:t>…</a:t>
+            </a:r>
+          </a:p>
+        </p:txBody>
+      </p:sp>
+      <p:sp>
+        <p:nvSpPr>
+          <p:cNvPr id="64" name="TextBox 63">
+            <a:extLst>
+              <a:ext uri="{FF2B5EF4-FFF2-40B4-BE49-F238E27FC236}">
+                <a16:creationId xmlns:a16="http://schemas.microsoft.com/office/drawing/2014/main" id="{24F48A93-C2BA-4186-8CC1-4D321512EEF3}"/>
+              </a:ext>
+            </a:extLst>
+          </p:cNvPr>
+          <p:cNvSpPr txBox="1"/>
+          <p:nvPr/>
+        </p:nvSpPr>
+        <p:spPr>
+          <a:xfrm>
+            <a:off x="8737619" y="2869533"/>
+            <a:ext cx="1943442" cy="369332"/>
+          </a:xfrm>
+          <a:prstGeom prst="rect">
+            <a:avLst/>
+          </a:prstGeom>
+          <a:noFill/>
+        </p:spPr>
+        <p:txBody>
+          <a:bodyPr wrap="square" rtlCol="0">
+            <a:spAutoFit/>
+          </a:bodyPr>
+          <a:lstStyle/>
+          <a:p>
+            <a:r>
+              <a:rPr lang="en-US" dirty="0"/>
+              <a:t>Examples:</a:t>
+            </a:r>
+          </a:p>
+        </p:txBody>
+      </p:sp>
+      <p:sp>
+        <p:nvSpPr>
+          <p:cNvPr id="60" name="Rectangle 59">
+            <a:extLst>
+              <a:ext uri="{FF2B5EF4-FFF2-40B4-BE49-F238E27FC236}">
+                <a16:creationId xmlns:a16="http://schemas.microsoft.com/office/drawing/2014/main" id="{7B9F6488-30FC-474C-A3E6-3822A3898D73}"/>
+              </a:ext>
+            </a:extLst>
+          </p:cNvPr>
+          <p:cNvSpPr/>
+          <p:nvPr/>
+        </p:nvSpPr>
+        <p:spPr>
+          <a:xfrm>
+            <a:off x="9126665" y="3271905"/>
+            <a:ext cx="3007553" cy="1926792"/>
+          </a:xfrm>
+          <a:prstGeom prst="rect">
+            <a:avLst/>
+          </a:prstGeom>
+          <a:noFill/>
+          <a:ln>
+            <a:solidFill>
+              <a:schemeClr val="tx1"/>
+            </a:solidFill>
+          </a:ln>
+        </p:spPr>
+        <p:style>
+          <a:lnRef idx="2">
+            <a:schemeClr val="accent6"/>
+          </a:lnRef>
+          <a:fillRef idx="1">
+            <a:schemeClr val="lt1"/>
+          </a:fillRef>
+          <a:effectRef idx="0">
+            <a:schemeClr val="accent6"/>
+          </a:effectRef>
+          <a:fontRef idx="minor">
+            <a:schemeClr val="dk1"/>
+          </a:fontRef>
+        </p:style>
+        <p:txBody>
+          <a:bodyPr rtlCol="0" anchor="ctr"/>
+          <a:lstStyle/>
+          <a:p>
+            <a:pPr algn="ctr"/>
+            <a:endParaRPr lang="en-US"/>
+          </a:p>
+        </p:txBody>
+      </p:sp>
+    </p:spTree>
+    <p:extLst>
+      <p:ext uri="{BB962C8B-B14F-4D97-AF65-F5344CB8AC3E}">
+        <p14:creationId xmlns:p14="http://schemas.microsoft.com/office/powerpoint/2010/main" val="1269494251"/>
+      </p:ext>
+    </p:extLst>
+  </p:cSld>
+  <p:clrMapOvr>
+    <a:masterClrMapping/>
+  </p:clrMapOvr>
+</p:sld>
+</file>
+
+<file path=ppt/slides/slide4.xml><?xml version="1.0" encoding="utf-8"?>
+<p:sld xmlns:a="http://schemas.openxmlformats.org/drawingml/2006/main" xmlns:r="http://schemas.openxmlformats.org/officeDocument/2006/relationships" xmlns:p="http://schemas.openxmlformats.org/presentationml/2006/main">
+  <p:cSld>
+    <p:spTree>
+      <p:nvGrpSpPr>
+        <p:cNvPr id="1" name=""/>
+        <p:cNvGrpSpPr/>
+        <p:nvPr/>
+      </p:nvGrpSpPr>
+      <p:grpSpPr>
+        <a:xfrm>
+          <a:off x="0" y="0"/>
+          <a:ext cx="0" cy="0"/>
+          <a:chOff x="0" y="0"/>
+          <a:chExt cx="0" cy="0"/>
+        </a:xfrm>
+      </p:grpSpPr>
+      <p:sp>
+        <p:nvSpPr>
+          <p:cNvPr id="2" name="Title 1">
+            <a:extLst>
+              <a:ext uri="{FF2B5EF4-FFF2-40B4-BE49-F238E27FC236}">
+                <a16:creationId xmlns:a16="http://schemas.microsoft.com/office/drawing/2014/main" id="{ADF69460-98B8-4975-8D22-4B600376EE3C}"/>
+              </a:ext>
+            </a:extLst>
+          </p:cNvPr>
+          <p:cNvSpPr>
+            <a:spLocks noGrp="1"/>
+          </p:cNvSpPr>
+          <p:nvPr>
+            <p:ph type="title"/>
+          </p:nvPr>
+        </p:nvSpPr>
+        <p:spPr/>
+        <p:txBody>
+          <a:bodyPr/>
+          <a:lstStyle/>
+          <a:p>
+            <a:r>
+              <a:rPr lang="en-US" dirty="0"/>
+              <a:t>Method</a:t>
+            </a:r>
+          </a:p>
+        </p:txBody>
+      </p:sp>
+      <p:sp>
+        <p:nvSpPr>
+          <p:cNvPr id="4" name="TextBox 3">
+            <a:extLst>
+              <a:ext uri="{FF2B5EF4-FFF2-40B4-BE49-F238E27FC236}">
+                <a16:creationId xmlns:a16="http://schemas.microsoft.com/office/drawing/2014/main" id="{4EF32996-DE21-463C-84D5-0E0455719ACC}"/>
+              </a:ext>
+            </a:extLst>
+          </p:cNvPr>
+          <p:cNvSpPr txBox="1"/>
+          <p:nvPr/>
+        </p:nvSpPr>
+        <p:spPr>
+          <a:xfrm>
+            <a:off x="838200" y="1547113"/>
+            <a:ext cx="6981509" cy="3416320"/>
+          </a:xfrm>
+          <a:prstGeom prst="rect">
+            <a:avLst/>
+          </a:prstGeom>
+          <a:noFill/>
+        </p:spPr>
+        <p:txBody>
+          <a:bodyPr wrap="square" rtlCol="0">
+            <a:spAutoFit/>
+          </a:bodyPr>
+          <a:lstStyle/>
+          <a:p>
+            <a:r>
+              <a:rPr lang="en-US" dirty="0"/>
+              <a:t>Inspiration: </a:t>
+            </a:r>
+            <a:r>
+              <a:rPr lang="en-US" dirty="0">
+                <a:hlinkClick r:id="rId3"/>
+              </a:rPr>
+              <a:t>https://github.com/bes-dev/crnn-pytorch</a:t>
+            </a:r>
+            <a:r>
+              <a:rPr lang="en-US" dirty="0"/>
+              <a:t> </a:t>
+            </a:r>
+          </a:p>
+          <a:p>
+            <a:endParaRPr lang="en-US" dirty="0"/>
+          </a:p>
+          <a:p>
+            <a:r>
+              <a:rPr lang="en-US" dirty="0"/>
+              <a:t>Convolutional Recurrent Neural Network – successful in OCR</a:t>
+            </a:r>
+          </a:p>
+          <a:p>
+            <a:endParaRPr lang="en-US" dirty="0"/>
+          </a:p>
+          <a:p>
+            <a:endParaRPr lang="en-US" dirty="0"/>
+          </a:p>
+          <a:p>
+            <a:pPr marL="342900" indent="-342900">
+              <a:buFont typeface="+mj-lt"/>
+              <a:buAutoNum type="arabicPeriod"/>
+            </a:pPr>
+            <a:r>
+              <a:rPr lang="en-US" dirty="0"/>
+              <a:t>Source 32x128</a:t>
+            </a:r>
+          </a:p>
+          <a:p>
+            <a:pPr marL="342900" indent="-342900">
+              <a:buFont typeface="+mj-lt"/>
+              <a:buAutoNum type="arabicPeriod"/>
+            </a:pPr>
+            <a:r>
+              <a:rPr lang="en-US" dirty="0"/>
+              <a:t>Random Crop 32x32 (crop must be interesting)</a:t>
+            </a:r>
+          </a:p>
+          <a:p>
+            <a:pPr marL="342900" indent="-342900">
+              <a:buFont typeface="+mj-lt"/>
+              <a:buAutoNum type="arabicPeriod"/>
+            </a:pPr>
+            <a:r>
+              <a:rPr lang="en-US" dirty="0"/>
+              <a:t>Normalize around (0.5, 0.5, 0.5), (0.5, 0.5, 0.5)</a:t>
+            </a:r>
+          </a:p>
+          <a:p>
+            <a:pPr marL="342900" indent="-342900">
+              <a:buFont typeface="+mj-lt"/>
+              <a:buAutoNum type="arabicPeriod"/>
+            </a:pPr>
+            <a:r>
+              <a:rPr lang="en-US" dirty="0"/>
+              <a:t>Mini Batch size 100 (matters!)</a:t>
+            </a:r>
+          </a:p>
+          <a:p>
+            <a:pPr marL="342900" indent="-342900">
+              <a:buFont typeface="+mj-lt"/>
+              <a:buAutoNum type="arabicPeriod"/>
+            </a:pPr>
+            <a:r>
+              <a:rPr lang="en-US" dirty="0"/>
+              <a:t>3 epochs</a:t>
+            </a:r>
+          </a:p>
+          <a:p>
+            <a:pPr marL="342900" indent="-342900">
+              <a:buFont typeface="+mj-lt"/>
+              <a:buAutoNum type="arabicPeriod"/>
+            </a:pPr>
+            <a:r>
+              <a:rPr lang="en-US" dirty="0"/>
+              <a:t>Print loss, accuracy, class accuracy every 100 mini-batches</a:t>
+            </a:r>
+          </a:p>
+          <a:p>
+            <a:pPr marL="342900" indent="-342900">
+              <a:buFont typeface="+mj-lt"/>
+              <a:buAutoNum type="arabicPeriod"/>
+            </a:pPr>
+            <a:endParaRPr lang="en-US" dirty="0"/>
+          </a:p>
+        </p:txBody>
+      </p:sp>
+      <p:pic>
+        <p:nvPicPr>
+          <p:cNvPr id="6" name="Picture 5">
+            <a:extLst>
+              <a:ext uri="{FF2B5EF4-FFF2-40B4-BE49-F238E27FC236}">
+                <a16:creationId xmlns:a16="http://schemas.microsoft.com/office/drawing/2014/main" id="{8CCED36E-923E-4DF8-8EBE-B83CCE84F4F8}"/>
+              </a:ext>
+            </a:extLst>
+          </p:cNvPr>
+          <p:cNvPicPr>
+            <a:picLocks noChangeAspect="1"/>
+          </p:cNvPicPr>
+          <p:nvPr/>
+        </p:nvPicPr>
+        <p:blipFill rotWithShape="1">
+          <a:blip r:embed="rId4"/>
+          <a:srcRect l="6258" r="10593"/>
+          <a:stretch/>
+        </p:blipFill>
+        <p:spPr>
+          <a:xfrm>
+            <a:off x="6808163" y="422432"/>
+            <a:ext cx="4719344" cy="5809257"/>
+          </a:xfrm>
+          <a:prstGeom prst="rect">
+            <a:avLst/>
+          </a:prstGeom>
+        </p:spPr>
+      </p:pic>
+    </p:spTree>
+    <p:extLst>
+      <p:ext uri="{BB962C8B-B14F-4D97-AF65-F5344CB8AC3E}">
+        <p14:creationId xmlns:p14="http://schemas.microsoft.com/office/powerpoint/2010/main" val="2230537242"/>
+      </p:ext>
+    </p:extLst>
+  </p:cSld>
+  <p:clrMapOvr>
+    <a:masterClrMapping/>
+  </p:clrMapOvr>
+</p:sld>
+</file>
+
+<file path=ppt/slides/slide5.xml><?xml version="1.0" encoding="utf-8"?>
+<p:sld xmlns:a="http://schemas.openxmlformats.org/drawingml/2006/main" xmlns:r="http://schemas.openxmlformats.org/officeDocument/2006/relationships" xmlns:p="http://schemas.openxmlformats.org/presentationml/2006/main">
+  <p:cSld>
+    <p:spTree>
+      <p:nvGrpSpPr>
+        <p:cNvPr id="1" name=""/>
+        <p:cNvGrpSpPr/>
+        <p:nvPr/>
+      </p:nvGrpSpPr>
+      <p:grpSpPr>
+        <a:xfrm>
+          <a:off x="0" y="0"/>
+          <a:ext cx="0" cy="0"/>
+          <a:chOff x="0" y="0"/>
+          <a:chExt cx="0" cy="0"/>
+        </a:xfrm>
+      </p:grpSpPr>
+      <p:sp>
+        <p:nvSpPr>
+          <p:cNvPr id="2" name="Title 1">
+            <a:extLst>
+              <a:ext uri="{FF2B5EF4-FFF2-40B4-BE49-F238E27FC236}">
+                <a16:creationId xmlns:a16="http://schemas.microsoft.com/office/drawing/2014/main" id="{514F39E0-56C9-470B-9A3B-716EBE84E27B}"/>
+              </a:ext>
+            </a:extLst>
+          </p:cNvPr>
+          <p:cNvSpPr>
+            <a:spLocks noGrp="1"/>
+          </p:cNvSpPr>
+          <p:nvPr>
+            <p:ph type="title"/>
+          </p:nvPr>
+        </p:nvSpPr>
+        <p:spPr/>
+        <p:txBody>
+          <a:bodyPr/>
+          <a:lstStyle/>
+          <a:p>
+            <a:r>
+              <a:rPr lang="en-US"/>
+              <a:t>Results </a:t>
+            </a:r>
+            <a:r>
+              <a:rPr lang="en-US" dirty="0"/>
+              <a:t>&amp; Future Work</a:t>
+            </a:r>
+          </a:p>
+        </p:txBody>
+      </p:sp>
+      <p:sp>
+        <p:nvSpPr>
+          <p:cNvPr id="5" name="TextBox 4">
+            <a:extLst>
+              <a:ext uri="{FF2B5EF4-FFF2-40B4-BE49-F238E27FC236}">
+                <a16:creationId xmlns:a16="http://schemas.microsoft.com/office/drawing/2014/main" id="{880E4651-ADBD-4172-BDCA-145D5072880B}"/>
+              </a:ext>
+            </a:extLst>
+          </p:cNvPr>
+          <p:cNvSpPr txBox="1"/>
+          <p:nvPr/>
+        </p:nvSpPr>
+        <p:spPr>
+          <a:xfrm>
+            <a:off x="219571" y="1959032"/>
+            <a:ext cx="11752857" cy="1200329"/>
+          </a:xfrm>
+          <a:prstGeom prst="rect">
+            <a:avLst/>
+          </a:prstGeom>
+          <a:noFill/>
+        </p:spPr>
+        <p:txBody>
+          <a:bodyPr wrap="square">
+            <a:spAutoFit/>
+          </a:bodyPr>
+          <a:lstStyle/>
+          <a:p>
+            <a:r>
+              <a:rPr lang="en-US" dirty="0"/>
+              <a:t>[3,   400] loss: 0.069 accuracy: 98.429</a:t>
+            </a:r>
+          </a:p>
+          <a:p>
+            <a:r>
+              <a:rPr lang="en-US" dirty="0"/>
+              <a:t>class accuracy: Arial 98.6% Times New Roman 98.6% Courier New 98.6% Calibri 97.1% Candara 100% Georgia 100% Corbel 98.6% Helvetica 92.9% Comic Sans MS 100% Garamond 100%</a:t>
+            </a:r>
+          </a:p>
+          <a:p>
+            <a:r>
+              <a:rPr lang="en-US" dirty="0"/>
+              <a:t>Finished Training</a:t>
+            </a:r>
+          </a:p>
+        </p:txBody>
+      </p:sp>
+      <p:sp>
+        <p:nvSpPr>
+          <p:cNvPr id="6" name="TextBox 5">
+            <a:extLst>
+              <a:ext uri="{FF2B5EF4-FFF2-40B4-BE49-F238E27FC236}">
+                <a16:creationId xmlns:a16="http://schemas.microsoft.com/office/drawing/2014/main" id="{89ED846D-D220-4C5F-AC85-AFE11248F510}"/>
+              </a:ext>
+            </a:extLst>
+          </p:cNvPr>
+          <p:cNvSpPr txBox="1"/>
+          <p:nvPr/>
+        </p:nvSpPr>
+        <p:spPr>
+          <a:xfrm flipH="1">
+            <a:off x="838199" y="3943621"/>
+            <a:ext cx="9657900" cy="2031325"/>
+          </a:xfrm>
+          <a:prstGeom prst="rect">
+            <a:avLst/>
+          </a:prstGeom>
+          <a:noFill/>
+        </p:spPr>
+        <p:txBody>
+          <a:bodyPr wrap="square" rtlCol="0">
+            <a:spAutoFit/>
+          </a:bodyPr>
+          <a:lstStyle/>
+          <a:p>
+            <a:r>
+              <a:rPr lang="en-US" b="1" dirty="0"/>
+              <a:t>Irrelevant problem.</a:t>
+            </a:r>
+          </a:p>
+          <a:p>
+            <a:endParaRPr lang="en-US" b="1" dirty="0"/>
+          </a:p>
+          <a:p>
+            <a:r>
+              <a:rPr lang="en-US" dirty="0"/>
+              <a:t>But: </a:t>
+            </a:r>
+          </a:p>
+          <a:p>
+            <a:pPr marL="285750" indent="-285750">
+              <a:buFont typeface="Arial" panose="020B0604020202020204" pitchFamily="34" charset="0"/>
+              <a:buChar char="•"/>
+            </a:pPr>
+            <a:r>
+              <a:rPr lang="en-US" dirty="0"/>
+              <a:t>more fonts</a:t>
+            </a:r>
+          </a:p>
+          <a:p>
+            <a:pPr marL="285750" indent="-285750">
+              <a:buFont typeface="Arial" panose="020B0604020202020204" pitchFamily="34" charset="0"/>
+              <a:buChar char="•"/>
+            </a:pPr>
+            <a:r>
+              <a:rPr lang="en-US" dirty="0"/>
+              <a:t>more backgrounds</a:t>
+            </a:r>
+          </a:p>
+          <a:p>
+            <a:pPr marL="285750" indent="-285750">
+              <a:buFont typeface="Arial" panose="020B0604020202020204" pitchFamily="34" charset="0"/>
+              <a:buChar char="•"/>
+            </a:pPr>
+            <a:r>
+              <a:rPr lang="en-US" dirty="0"/>
+              <a:t>more random transforms</a:t>
+            </a:r>
+          </a:p>
+          <a:p>
+            <a:pPr marL="285750" indent="-285750">
+              <a:buFont typeface="Arial" panose="020B0604020202020204" pitchFamily="34" charset="0"/>
+              <a:buChar char="•"/>
+            </a:pPr>
+            <a:r>
+              <a:rPr lang="en-US" dirty="0"/>
+              <a:t>real images (e.g. adverts, magazine covers…)</a:t>
+            </a:r>
+          </a:p>
+        </p:txBody>
+      </p:sp>
+    </p:spTree>
+    <p:extLst>
+      <p:ext uri="{BB962C8B-B14F-4D97-AF65-F5344CB8AC3E}">
+        <p14:creationId xmlns:p14="http://schemas.microsoft.com/office/powerpoint/2010/main" val="2120534913"/>
       </p:ext>
     </p:extLst>
   </p:cSld>
@@ -3683,4 +6090,299 @@
     </a:ext>
   </a:extLst>
 </a:theme>
+</file>
+
+<file path=ppt/theme/theme2.xml><?xml version="1.0" encoding="utf-8"?>
+<a:theme xmlns:a="http://schemas.openxmlformats.org/drawingml/2006/main" name="Office Theme">
+  <a:themeElements>
+    <a:clrScheme name="Office">
+      <a:dk1>
+        <a:sysClr val="windowText" lastClr="000000"/>
+      </a:dk1>
+      <a:lt1>
+        <a:sysClr val="window" lastClr="FFFFFF"/>
+      </a:lt1>
+      <a:dk2>
+        <a:srgbClr val="44546A"/>
+      </a:dk2>
+      <a:lt2>
+        <a:srgbClr val="E7E6E6"/>
+      </a:lt2>
+      <a:accent1>
+        <a:srgbClr val="4472C4"/>
+      </a:accent1>
+      <a:accent2>
+        <a:srgbClr val="ED7D31"/>
+      </a:accent2>
+      <a:accent3>
+        <a:srgbClr val="A5A5A5"/>
+      </a:accent3>
+      <a:accent4>
+        <a:srgbClr val="FFC000"/>
+      </a:accent4>
+      <a:accent5>
+        <a:srgbClr val="5B9BD5"/>
+      </a:accent5>
+      <a:accent6>
+        <a:srgbClr val="70AD47"/>
+      </a:accent6>
+      <a:hlink>
+        <a:srgbClr val="0563C1"/>
+      </a:hlink>
+      <a:folHlink>
+        <a:srgbClr val="954F72"/>
+      </a:folHlink>
+    </a:clrScheme>
+    <a:fontScheme name="Office">
+      <a:majorFont>
+        <a:latin typeface="Calibri Light" panose="020F0302020204030204"/>
+        <a:ea typeface=""/>
+        <a:cs typeface=""/>
+        <a:font script="Jpan" typeface="游ゴシック Light"/>
+        <a:font script="Hang" typeface="맑은 고딕"/>
+        <a:font script="Hans" typeface="等线 Light"/>
+        <a:font script="Hant" typeface="新細明體"/>
+        <a:font script="Arab" typeface="Times New Roman"/>
+        <a:font script="Hebr" typeface="Times New Roman"/>
+        <a:font script="Thai" typeface="Angsana New"/>
+        <a:font script="Ethi" typeface="Nyala"/>
+        <a:font script="Beng" typeface="Vrinda"/>
+        <a:font script="Gujr" typeface="Shruti"/>
+        <a:font script="Khmr" typeface="MoolBoran"/>
+        <a:font script="Knda" typeface="Tunga"/>
+        <a:font script="Guru" typeface="Raavi"/>
+        <a:font script="Cans" typeface="Euphemia"/>
+        <a:font script="Cher" typeface="Plantagenet Cherokee"/>
+        <a:font script="Yiii" typeface="Microsoft Yi Baiti"/>
+        <a:font script="Tibt" typeface="Microsoft Himalaya"/>
+        <a:font script="Thaa" typeface="MV Boli"/>
+        <a:font script="Deva" typeface="Mangal"/>
+        <a:font script="Telu" typeface="Gautami"/>
+        <a:font script="Taml" typeface="Latha"/>
+        <a:font script="Syrc" typeface="Estrangelo Edessa"/>
+        <a:font script="Orya" typeface="Kalinga"/>
+        <a:font script="Mlym" typeface="Kartika"/>
+        <a:font script="Laoo" typeface="DokChampa"/>
+        <a:font script="Sinh" typeface="Iskoola Pota"/>
+        <a:font script="Mong" typeface="Mongolian Baiti"/>
+        <a:font script="Viet" typeface="Times New Roman"/>
+        <a:font script="Uigh" typeface="Microsoft Uighur"/>
+        <a:font script="Geor" typeface="Sylfaen"/>
+        <a:font script="Armn" typeface="Arial"/>
+        <a:font script="Bugi" typeface="Leelawadee UI"/>
+        <a:font script="Bopo" typeface="Microsoft JhengHei"/>
+        <a:font script="Java" typeface="Javanese Text"/>
+        <a:font script="Lisu" typeface="Segoe UI"/>
+        <a:font script="Mymr" typeface="Myanmar Text"/>
+        <a:font script="Nkoo" typeface="Ebrima"/>
+        <a:font script="Olck" typeface="Nirmala UI"/>
+        <a:font script="Osma" typeface="Ebrima"/>
+        <a:font script="Phag" typeface="Phagspa"/>
+        <a:font script="Syrn" typeface="Estrangelo Edessa"/>
+        <a:font script="Syrj" typeface="Estrangelo Edessa"/>
+        <a:font script="Syre" typeface="Estrangelo Edessa"/>
+        <a:font script="Sora" typeface="Nirmala UI"/>
+        <a:font script="Tale" typeface="Microsoft Tai Le"/>
+        <a:font script="Talu" typeface="Microsoft New Tai Lue"/>
+        <a:font script="Tfng" typeface="Ebrima"/>
+      </a:majorFont>
+      <a:minorFont>
+        <a:latin typeface="Calibri" panose="020F0502020204030204"/>
+        <a:ea typeface=""/>
+        <a:cs typeface=""/>
+        <a:font script="Jpan" typeface="游ゴシック"/>
+        <a:font script="Hang" typeface="맑은 고딕"/>
+        <a:font script="Hans" typeface="等线"/>
+        <a:font script="Hant" typeface="新細明體"/>
+        <a:font script="Arab" typeface="Arial"/>
+        <a:font script="Hebr" typeface="Arial"/>
+        <a:font script="Thai" typeface="Cordia New"/>
+        <a:font script="Ethi" typeface="Nyala"/>
+        <a:font script="Beng" typeface="Vrinda"/>
+        <a:font script="Gujr" typeface="Shruti"/>
+        <a:font script="Khmr" typeface="DaunPenh"/>
+        <a:font script="Knda" typeface="Tunga"/>
+        <a:font script="Guru" typeface="Raavi"/>
+        <a:font script="Cans" typeface="Euphemia"/>
+        <a:font script="Cher" typeface="Plantagenet Cherokee"/>
+        <a:font script="Yiii" typeface="Microsoft Yi Baiti"/>
+        <a:font script="Tibt" typeface="Microsoft Himalaya"/>
+        <a:font script="Thaa" typeface="MV Boli"/>
+        <a:font script="Deva" typeface="Mangal"/>
+        <a:font script="Telu" typeface="Gautami"/>
+        <a:font script="Taml" typeface="Latha"/>
+        <a:font script="Syrc" typeface="Estrangelo Edessa"/>
+        <a:font script="Orya" typeface="Kalinga"/>
+        <a:font script="Mlym" typeface="Kartika"/>
+        <a:font script="Laoo" typeface="DokChampa"/>
+        <a:font script="Sinh" typeface="Iskoola Pota"/>
+        <a:font script="Mong" typeface="Mongolian Baiti"/>
+        <a:font script="Viet" typeface="Arial"/>
+        <a:font script="Uigh" typeface="Microsoft Uighur"/>
+        <a:font script="Geor" typeface="Sylfaen"/>
+        <a:font script="Armn" typeface="Arial"/>
+        <a:font script="Bugi" typeface="Leelawadee UI"/>
+        <a:font script="Bopo" typeface="Microsoft JhengHei"/>
+        <a:font script="Java" typeface="Javanese Text"/>
+        <a:font script="Lisu" typeface="Segoe UI"/>
+        <a:font script="Mymr" typeface="Myanmar Text"/>
+        <a:font script="Nkoo" typeface="Ebrima"/>
+        <a:font script="Olck" typeface="Nirmala UI"/>
+        <a:font script="Osma" typeface="Ebrima"/>
+        <a:font script="Phag" typeface="Phagspa"/>
+        <a:font script="Syrn" typeface="Estrangelo Edessa"/>
+        <a:font script="Syrj" typeface="Estrangelo Edessa"/>
+        <a:font script="Syre" typeface="Estrangelo Edessa"/>
+        <a:font script="Sora" typeface="Nirmala UI"/>
+        <a:font script="Tale" typeface="Microsoft Tai Le"/>
+        <a:font script="Talu" typeface="Microsoft New Tai Lue"/>
+        <a:font script="Tfng" typeface="Ebrima"/>
+      </a:minorFont>
+    </a:fontScheme>
+    <a:fmtScheme name="Office">
+      <a:fillStyleLst>
+        <a:solidFill>
+          <a:schemeClr val="phClr"/>
+        </a:solidFill>
+        <a:gradFill rotWithShape="1">
+          <a:gsLst>
+            <a:gs pos="0">
+              <a:schemeClr val="phClr">
+                <a:lumMod val="110000"/>
+                <a:satMod val="105000"/>
+                <a:tint val="67000"/>
+              </a:schemeClr>
+            </a:gs>
+            <a:gs pos="50000">
+              <a:schemeClr val="phClr">
+                <a:lumMod val="105000"/>
+                <a:satMod val="103000"/>
+                <a:tint val="73000"/>
+              </a:schemeClr>
+            </a:gs>
+            <a:gs pos="100000">
+              <a:schemeClr val="phClr">
+                <a:lumMod val="105000"/>
+                <a:satMod val="109000"/>
+                <a:tint val="81000"/>
+              </a:schemeClr>
+            </a:gs>
+          </a:gsLst>
+          <a:lin ang="5400000" scaled="0"/>
+        </a:gradFill>
+        <a:gradFill rotWithShape="1">
+          <a:gsLst>
+            <a:gs pos="0">
+              <a:schemeClr val="phClr">
+                <a:satMod val="103000"/>
+                <a:lumMod val="102000"/>
+                <a:tint val="94000"/>
+              </a:schemeClr>
+            </a:gs>
+            <a:gs pos="50000">
+              <a:schemeClr val="phClr">
+                <a:satMod val="110000"/>
+                <a:lumMod val="100000"/>
+                <a:shade val="100000"/>
+              </a:schemeClr>
+            </a:gs>
+            <a:gs pos="100000">
+              <a:schemeClr val="phClr">
+                <a:lumMod val="99000"/>
+                <a:satMod val="120000"/>
+                <a:shade val="78000"/>
+              </a:schemeClr>
+            </a:gs>
+          </a:gsLst>
+          <a:lin ang="5400000" scaled="0"/>
+        </a:gradFill>
+      </a:fillStyleLst>
+      <a:lnStyleLst>
+        <a:ln w="6350" cap="flat" cmpd="sng" algn="ctr">
+          <a:solidFill>
+            <a:schemeClr val="phClr"/>
+          </a:solidFill>
+          <a:prstDash val="solid"/>
+          <a:miter lim="800000"/>
+        </a:ln>
+        <a:ln w="12700" cap="flat" cmpd="sng" algn="ctr">
+          <a:solidFill>
+            <a:schemeClr val="phClr"/>
+          </a:solidFill>
+          <a:prstDash val="solid"/>
+          <a:miter lim="800000"/>
+        </a:ln>
+        <a:ln w="19050" cap="flat" cmpd="sng" algn="ctr">
+          <a:solidFill>
+            <a:schemeClr val="phClr"/>
+          </a:solidFill>
+          <a:prstDash val="solid"/>
+          <a:miter lim="800000"/>
+        </a:ln>
+      </a:lnStyleLst>
+      <a:effectStyleLst>
+        <a:effectStyle>
+          <a:effectLst/>
+        </a:effectStyle>
+        <a:effectStyle>
+          <a:effectLst/>
+        </a:effectStyle>
+        <a:effectStyle>
+          <a:effectLst>
+            <a:outerShdw blurRad="57150" dist="19050" dir="5400000" algn="ctr" rotWithShape="0">
+              <a:srgbClr val="000000">
+                <a:alpha val="63000"/>
+              </a:srgbClr>
+            </a:outerShdw>
+          </a:effectLst>
+        </a:effectStyle>
+      </a:effectStyleLst>
+      <a:bgFillStyleLst>
+        <a:solidFill>
+          <a:schemeClr val="phClr"/>
+        </a:solidFill>
+        <a:solidFill>
+          <a:schemeClr val="phClr">
+            <a:tint val="95000"/>
+            <a:satMod val="170000"/>
+          </a:schemeClr>
+        </a:solidFill>
+        <a:gradFill rotWithShape="1">
+          <a:gsLst>
+            <a:gs pos="0">
+              <a:schemeClr val="phClr">
+                <a:tint val="93000"/>
+                <a:satMod val="150000"/>
+                <a:shade val="98000"/>
+                <a:lumMod val="102000"/>
+              </a:schemeClr>
+            </a:gs>
+            <a:gs pos="50000">
+              <a:schemeClr val="phClr">
+                <a:tint val="98000"/>
+                <a:satMod val="130000"/>
+                <a:shade val="90000"/>
+                <a:lumMod val="103000"/>
+              </a:schemeClr>
+            </a:gs>
+            <a:gs pos="100000">
+              <a:schemeClr val="phClr">
+                <a:shade val="63000"/>
+                <a:satMod val="120000"/>
+              </a:schemeClr>
+            </a:gs>
+          </a:gsLst>
+          <a:lin ang="5400000" scaled="0"/>
+        </a:gradFill>
+      </a:bgFillStyleLst>
+    </a:fmtScheme>
+  </a:themeElements>
+  <a:objectDefaults/>
+  <a:extraClrSchemeLst/>
+  <a:extLst>
+    <a:ext uri="{05A4C25C-085E-4340-85A3-A5531E510DB2}">
+      <thm15:themeFamily xmlns:thm15="http://schemas.microsoft.com/office/thememl/2012/main" name="Office Theme" id="{62F939B6-93AF-4DB8-9C6B-D6C7DFDC589F}" vid="{4A3C46E8-61CC-4603-A589-7422A47A8E4A}"/>
+    </a:ext>
+  </a:extLst>
+</a:theme>
 </file>